--- a/Stakeholder Presentation.pptx
+++ b/Stakeholder Presentation.pptx
@@ -5,7 +5,7 @@
     <p:sldMasterId id="2147483648" r:id="rId1"/>
   </p:sldMasterIdLst>
   <p:notesMasterIdLst>
-    <p:notesMasterId r:id="rId15"/>
+    <p:notesMasterId r:id="rId18"/>
   </p:notesMasterIdLst>
   <p:sldIdLst>
     <p:sldId id="257" r:id="rId2"/>
@@ -14,13 +14,16 @@
     <p:sldId id="290" r:id="rId5"/>
     <p:sldId id="292" r:id="rId6"/>
     <p:sldId id="297" r:id="rId7"/>
-    <p:sldId id="293" r:id="rId8"/>
-    <p:sldId id="298" r:id="rId9"/>
-    <p:sldId id="294" r:id="rId10"/>
-    <p:sldId id="295" r:id="rId11"/>
-    <p:sldId id="291" r:id="rId12"/>
-    <p:sldId id="296" r:id="rId13"/>
-    <p:sldId id="299" r:id="rId14"/>
+    <p:sldId id="300" r:id="rId8"/>
+    <p:sldId id="301" r:id="rId9"/>
+    <p:sldId id="302" r:id="rId10"/>
+    <p:sldId id="293" r:id="rId11"/>
+    <p:sldId id="298" r:id="rId12"/>
+    <p:sldId id="294" r:id="rId13"/>
+    <p:sldId id="295" r:id="rId14"/>
+    <p:sldId id="291" r:id="rId15"/>
+    <p:sldId id="296" r:id="rId16"/>
+    <p:sldId id="299" r:id="rId17"/>
   </p:sldIdLst>
   <p:sldSz cx="12192000" cy="6858000"/>
   <p:notesSz cx="6858000" cy="9144000"/>
@@ -220,7 +223,7 @@
           <a:p>
             <a:fld id="{EA61E9F5-9EA6-C840-8C27-3D9F4280C79C}" type="datetimeFigureOut">
               <a:rPr lang="en-US" smtClean="0"/>
-              <a:t>5/7/23</a:t>
+              <a:t>5/9/23</a:t>
             </a:fld>
             <a:endParaRPr lang="en-US"/>
           </a:p>
@@ -632,6 +635,114 @@
           <a:p>
             <a:r>
               <a:rPr lang="en-US" dirty="0"/>
+              <a:t>RECOMMENDATIONS</a:t>
+            </a:r>
+          </a:p>
+          <a:p>
+            <a:endParaRPr lang="en-US" b="1" dirty="0"/>
+          </a:p>
+          <a:p>
+            <a:r>
+              <a:rPr lang="en-US" b="1" dirty="0"/>
+              <a:t>IMPROVEMENTS</a:t>
+            </a:r>
+          </a:p>
+          <a:p>
+            <a:r>
+              <a:rPr lang="en-US" b="1" dirty="0"/>
+              <a:t>NEXT STEPS</a:t>
+            </a:r>
+          </a:p>
+          <a:p>
+            <a:endParaRPr lang="en-US" b="1" dirty="0"/>
+          </a:p>
+          <a:p>
+            <a:endParaRPr lang="en-US" dirty="0"/>
+          </a:p>
+        </p:txBody>
+      </p:sp>
+      <p:sp>
+        <p:nvSpPr>
+          <p:cNvPr id="4" name="Slide Number Placeholder 3"/>
+          <p:cNvSpPr>
+            <a:spLocks noGrp="1"/>
+          </p:cNvSpPr>
+          <p:nvPr>
+            <p:ph type="sldNum" sz="quarter" idx="5"/>
+          </p:nvPr>
+        </p:nvSpPr>
+        <p:spPr/>
+        <p:txBody>
+          <a:bodyPr/>
+          <a:lstStyle/>
+          <a:p>
+            <a:fld id="{D80C23F6-912A-4B35-8893-48FD4F0CB91B}" type="slidenum">
+              <a:rPr lang="en-US" smtClean="0"/>
+              <a:t>11</a:t>
+            </a:fld>
+            <a:endParaRPr lang="en-US"/>
+          </a:p>
+        </p:txBody>
+      </p:sp>
+    </p:spTree>
+    <p:extLst>
+      <p:ext uri="{BB962C8B-B14F-4D97-AF65-F5344CB8AC3E}">
+        <p14:creationId xmlns:p14="http://schemas.microsoft.com/office/powerpoint/2010/main" val="1680697119"/>
+      </p:ext>
+    </p:extLst>
+  </p:cSld>
+  <p:clrMapOvr>
+    <a:masterClrMapping/>
+  </p:clrMapOvr>
+</p:notes>
+</file>
+
+<file path=ppt/notesSlides/notesSlide11.xml><?xml version="1.0" encoding="utf-8"?>
+<p:notes xmlns:a="http://schemas.openxmlformats.org/drawingml/2006/main" xmlns:r="http://schemas.openxmlformats.org/officeDocument/2006/relationships" xmlns:p="http://schemas.openxmlformats.org/presentationml/2006/main">
+  <p:cSld>
+    <p:spTree>
+      <p:nvGrpSpPr>
+        <p:cNvPr id="1" name=""/>
+        <p:cNvGrpSpPr/>
+        <p:nvPr/>
+      </p:nvGrpSpPr>
+      <p:grpSpPr>
+        <a:xfrm>
+          <a:off x="0" y="0"/>
+          <a:ext cx="0" cy="0"/>
+          <a:chOff x="0" y="0"/>
+          <a:chExt cx="0" cy="0"/>
+        </a:xfrm>
+      </p:grpSpPr>
+      <p:sp>
+        <p:nvSpPr>
+          <p:cNvPr id="2" name="Slide Image Placeholder 1"/>
+          <p:cNvSpPr>
+            <a:spLocks noGrp="1" noRot="1" noChangeAspect="1"/>
+          </p:cNvSpPr>
+          <p:nvPr>
+            <p:ph type="sldImg"/>
+          </p:nvPr>
+        </p:nvSpPr>
+        <p:spPr/>
+      </p:sp>
+      <p:sp>
+        <p:nvSpPr>
+          <p:cNvPr id="3" name="Notes Placeholder 2"/>
+          <p:cNvSpPr>
+            <a:spLocks noGrp="1"/>
+          </p:cNvSpPr>
+          <p:nvPr>
+            <p:ph type="body" idx="1"/>
+          </p:nvPr>
+        </p:nvSpPr>
+        <p:spPr/>
+        <p:txBody>
+          <a:bodyPr/>
+          <a:lstStyle/>
+          <a:p>
+            <a:r>
+              <a:rPr lang="en-US" dirty="0"/>
               <a:t>DATA SOURCE</a:t>
             </a:r>
           </a:p>
@@ -674,6 +785,218 @@
             <a:fld id="{D80C23F6-912A-4B35-8893-48FD4F0CB91B}" type="slidenum">
               <a:rPr lang="en-US" smtClean="0"/>
               <a:t>12</a:t>
+            </a:fld>
+            <a:endParaRPr lang="en-US"/>
+          </a:p>
+        </p:txBody>
+      </p:sp>
+    </p:spTree>
+    <p:extLst>
+      <p:ext uri="{BB962C8B-B14F-4D97-AF65-F5344CB8AC3E}">
+        <p14:creationId xmlns:p14="http://schemas.microsoft.com/office/powerpoint/2010/main" val="2050610798"/>
+      </p:ext>
+    </p:extLst>
+  </p:cSld>
+  <p:clrMapOvr>
+    <a:masterClrMapping/>
+  </p:clrMapOvr>
+</p:notes>
+</file>
+
+<file path=ppt/notesSlides/notesSlide12.xml><?xml version="1.0" encoding="utf-8"?>
+<p:notes xmlns:a="http://schemas.openxmlformats.org/drawingml/2006/main" xmlns:r="http://schemas.openxmlformats.org/officeDocument/2006/relationships" xmlns:p="http://schemas.openxmlformats.org/presentationml/2006/main">
+  <p:cSld>
+    <p:spTree>
+      <p:nvGrpSpPr>
+        <p:cNvPr id="1" name=""/>
+        <p:cNvGrpSpPr/>
+        <p:nvPr/>
+      </p:nvGrpSpPr>
+      <p:grpSpPr>
+        <a:xfrm>
+          <a:off x="0" y="0"/>
+          <a:ext cx="0" cy="0"/>
+          <a:chOff x="0" y="0"/>
+          <a:chExt cx="0" cy="0"/>
+        </a:xfrm>
+      </p:grpSpPr>
+      <p:sp>
+        <p:nvSpPr>
+          <p:cNvPr id="2" name="Slide Image Placeholder 1"/>
+          <p:cNvSpPr>
+            <a:spLocks noGrp="1" noRot="1" noChangeAspect="1"/>
+          </p:cNvSpPr>
+          <p:nvPr>
+            <p:ph type="sldImg"/>
+          </p:nvPr>
+        </p:nvSpPr>
+        <p:spPr/>
+      </p:sp>
+      <p:sp>
+        <p:nvSpPr>
+          <p:cNvPr id="3" name="Notes Placeholder 2"/>
+          <p:cNvSpPr>
+            <a:spLocks noGrp="1"/>
+          </p:cNvSpPr>
+          <p:nvPr>
+            <p:ph type="body" idx="1"/>
+          </p:nvPr>
+        </p:nvSpPr>
+        <p:spPr/>
+        <p:txBody>
+          <a:bodyPr/>
+          <a:lstStyle/>
+          <a:p>
+            <a:r>
+              <a:rPr lang="en-US" dirty="0"/>
+              <a:t>DATA SOURCE</a:t>
+            </a:r>
+          </a:p>
+          <a:p>
+            <a:r>
+              <a:rPr lang="en-US" dirty="0"/>
+              <a:t>WENT THROUGH CLEANING</a:t>
+            </a:r>
+          </a:p>
+          <a:p>
+            <a:r>
+              <a:rPr lang="en-US" dirty="0"/>
+              <a:t>4</a:t>
+            </a:r>
+            <a:r>
+              <a:rPr lang="en-US" b="1" dirty="0"/>
+              <a:t> DIFFERENT MODELS</a:t>
+            </a:r>
+          </a:p>
+          <a:p>
+            <a:endParaRPr lang="en-US" dirty="0"/>
+          </a:p>
+        </p:txBody>
+      </p:sp>
+      <p:sp>
+        <p:nvSpPr>
+          <p:cNvPr id="4" name="Slide Number Placeholder 3"/>
+          <p:cNvSpPr>
+            <a:spLocks noGrp="1"/>
+          </p:cNvSpPr>
+          <p:nvPr>
+            <p:ph type="sldNum" sz="quarter" idx="5"/>
+          </p:nvPr>
+        </p:nvSpPr>
+        <p:spPr/>
+        <p:txBody>
+          <a:bodyPr/>
+          <a:lstStyle/>
+          <a:p>
+            <a:fld id="{D80C23F6-912A-4B35-8893-48FD4F0CB91B}" type="slidenum">
+              <a:rPr lang="en-US" smtClean="0"/>
+              <a:t>14</a:t>
+            </a:fld>
+            <a:endParaRPr lang="en-US"/>
+          </a:p>
+        </p:txBody>
+      </p:sp>
+    </p:spTree>
+    <p:extLst>
+      <p:ext uri="{BB962C8B-B14F-4D97-AF65-F5344CB8AC3E}">
+        <p14:creationId xmlns:p14="http://schemas.microsoft.com/office/powerpoint/2010/main" val="1734931448"/>
+      </p:ext>
+    </p:extLst>
+  </p:cSld>
+  <p:clrMapOvr>
+    <a:masterClrMapping/>
+  </p:clrMapOvr>
+</p:notes>
+</file>
+
+<file path=ppt/notesSlides/notesSlide13.xml><?xml version="1.0" encoding="utf-8"?>
+<p:notes xmlns:a="http://schemas.openxmlformats.org/drawingml/2006/main" xmlns:r="http://schemas.openxmlformats.org/officeDocument/2006/relationships" xmlns:p="http://schemas.openxmlformats.org/presentationml/2006/main">
+  <p:cSld>
+    <p:spTree>
+      <p:nvGrpSpPr>
+        <p:cNvPr id="1" name=""/>
+        <p:cNvGrpSpPr/>
+        <p:nvPr/>
+      </p:nvGrpSpPr>
+      <p:grpSpPr>
+        <a:xfrm>
+          <a:off x="0" y="0"/>
+          <a:ext cx="0" cy="0"/>
+          <a:chOff x="0" y="0"/>
+          <a:chExt cx="0" cy="0"/>
+        </a:xfrm>
+      </p:grpSpPr>
+      <p:sp>
+        <p:nvSpPr>
+          <p:cNvPr id="2" name="Slide Image Placeholder 1"/>
+          <p:cNvSpPr>
+            <a:spLocks noGrp="1" noRot="1" noChangeAspect="1"/>
+          </p:cNvSpPr>
+          <p:nvPr>
+            <p:ph type="sldImg"/>
+          </p:nvPr>
+        </p:nvSpPr>
+        <p:spPr/>
+      </p:sp>
+      <p:sp>
+        <p:nvSpPr>
+          <p:cNvPr id="3" name="Notes Placeholder 2"/>
+          <p:cNvSpPr>
+            <a:spLocks noGrp="1"/>
+          </p:cNvSpPr>
+          <p:nvPr>
+            <p:ph type="body" idx="1"/>
+          </p:nvPr>
+        </p:nvSpPr>
+        <p:spPr/>
+        <p:txBody>
+          <a:bodyPr/>
+          <a:lstStyle/>
+          <a:p>
+            <a:r>
+              <a:rPr lang="en-US" dirty="0"/>
+              <a:t>DATA SOURCE</a:t>
+            </a:r>
+          </a:p>
+          <a:p>
+            <a:r>
+              <a:rPr lang="en-US" dirty="0"/>
+              <a:t>WENT THROUGH CLEANING</a:t>
+            </a:r>
+          </a:p>
+          <a:p>
+            <a:r>
+              <a:rPr lang="en-US" dirty="0"/>
+              <a:t>4</a:t>
+            </a:r>
+            <a:r>
+              <a:rPr lang="en-US" b="1" dirty="0"/>
+              <a:t> DIFFERENT MODELS</a:t>
+            </a:r>
+          </a:p>
+          <a:p>
+            <a:endParaRPr lang="en-US" dirty="0"/>
+          </a:p>
+        </p:txBody>
+      </p:sp>
+      <p:sp>
+        <p:nvSpPr>
+          <p:cNvPr id="4" name="Slide Number Placeholder 3"/>
+          <p:cNvSpPr>
+            <a:spLocks noGrp="1"/>
+          </p:cNvSpPr>
+          <p:nvPr>
+            <p:ph type="sldNum" sz="quarter" idx="5"/>
+          </p:nvPr>
+        </p:nvSpPr>
+        <p:spPr/>
+        <p:txBody>
+          <a:bodyPr/>
+          <a:lstStyle/>
+          <a:p>
+            <a:fld id="{D80C23F6-912A-4B35-8893-48FD4F0CB91B}" type="slidenum">
+              <a:rPr lang="en-US" smtClean="0"/>
+              <a:t>15</a:t>
             </a:fld>
             <a:endParaRPr lang="en-US"/>
           </a:p>
@@ -1230,7 +1553,13 @@
           <a:p>
             <a:r>
               <a:rPr lang="en-US" dirty="0"/>
-              <a:t>RECOMMENDATIONS</a:t>
+              <a:t>LOCATION BASED:</a:t>
+            </a:r>
+          </a:p>
+          <a:p>
+            <a:r>
+              <a:rPr lang="en-US" b="1" dirty="0"/>
+              <a:t>Latitude, longitude, Intersection</a:t>
             </a:r>
           </a:p>
           <a:p>
@@ -1239,13 +1568,55 @@
           <a:p>
             <a:r>
               <a:rPr lang="en-US" b="1" dirty="0"/>
-              <a:t>IMPROVEMENTS</a:t>
-            </a:r>
-          </a:p>
-          <a:p>
+              <a:t>Driver Based:</a:t>
+            </a:r>
+          </a:p>
+          <a:p>
+            <a:r>
+              <a:rPr lang="en-US" b="1" dirty="0" err="1"/>
+              <a:t>Driver_Action</a:t>
+            </a:r>
             <a:r>
               <a:rPr lang="en-US" b="1" dirty="0"/>
-              <a:t>NEXT STEPS</a:t>
+              <a:t>, </a:t>
+            </a:r>
+            <a:r>
+              <a:rPr lang="en-US" b="1" dirty="0" err="1"/>
+              <a:t>Physicial</a:t>
+            </a:r>
+            <a:r>
+              <a:rPr lang="en-US" b="1" dirty="0"/>
+              <a:t> Condition, Maneuver</a:t>
+            </a:r>
+          </a:p>
+          <a:p>
+            <a:endParaRPr lang="en-US" b="1" dirty="0"/>
+          </a:p>
+          <a:p>
+            <a:r>
+              <a:rPr lang="en-US" b="1" dirty="0"/>
+              <a:t>Traffic based: </a:t>
+            </a:r>
+          </a:p>
+          <a:p>
+            <a:r>
+              <a:rPr lang="en-US" b="1" dirty="0"/>
+              <a:t>First Contact Point, Num of units, Device Condition</a:t>
+            </a:r>
+          </a:p>
+          <a:p>
+            <a:endParaRPr lang="en-US" b="1" dirty="0"/>
+          </a:p>
+          <a:p>
+            <a:r>
+              <a:rPr lang="en-US" b="1" dirty="0"/>
+              <a:t>Nature based:</a:t>
+            </a:r>
+          </a:p>
+          <a:p>
+            <a:r>
+              <a:rPr lang="en-US" b="1" dirty="0"/>
+              <a:t>Weather Condition</a:t>
             </a:r>
           </a:p>
           <a:p>
@@ -1282,7 +1653,7 @@
     </p:spTree>
     <p:extLst>
       <p:ext uri="{BB962C8B-B14F-4D97-AF65-F5344CB8AC3E}">
-        <p14:creationId xmlns:p14="http://schemas.microsoft.com/office/powerpoint/2010/main" val="2226807521"/>
+        <p14:creationId xmlns:p14="http://schemas.microsoft.com/office/powerpoint/2010/main" val="3751915607"/>
       </p:ext>
     </p:extLst>
   </p:cSld>
@@ -1338,7 +1709,13 @@
           <a:p>
             <a:r>
               <a:rPr lang="en-US" dirty="0"/>
-              <a:t>RECOMMENDATIONS</a:t>
+              <a:t>LOCATION BASED:</a:t>
+            </a:r>
+          </a:p>
+          <a:p>
+            <a:r>
+              <a:rPr lang="en-US" b="1" dirty="0"/>
+              <a:t>Latitude, longitude, Intersection</a:t>
             </a:r>
           </a:p>
           <a:p>
@@ -1347,13 +1724,55 @@
           <a:p>
             <a:r>
               <a:rPr lang="en-US" b="1" dirty="0"/>
-              <a:t>IMPROVEMENTS</a:t>
-            </a:r>
-          </a:p>
-          <a:p>
+              <a:t>Driver Based:</a:t>
+            </a:r>
+          </a:p>
+          <a:p>
+            <a:r>
+              <a:rPr lang="en-US" b="1" dirty="0" err="1"/>
+              <a:t>Driver_Action</a:t>
+            </a:r>
             <a:r>
               <a:rPr lang="en-US" b="1" dirty="0"/>
-              <a:t>NEXT STEPS</a:t>
+              <a:t>, </a:t>
+            </a:r>
+            <a:r>
+              <a:rPr lang="en-US" b="1" dirty="0" err="1"/>
+              <a:t>Physicial</a:t>
+            </a:r>
+            <a:r>
+              <a:rPr lang="en-US" b="1" dirty="0"/>
+              <a:t> Condition, Maneuver</a:t>
+            </a:r>
+          </a:p>
+          <a:p>
+            <a:endParaRPr lang="en-US" b="1" dirty="0"/>
+          </a:p>
+          <a:p>
+            <a:r>
+              <a:rPr lang="en-US" b="1" dirty="0"/>
+              <a:t>Traffic based: </a:t>
+            </a:r>
+          </a:p>
+          <a:p>
+            <a:r>
+              <a:rPr lang="en-US" b="1" dirty="0"/>
+              <a:t>First Contact Point, Num of units, Device Condition</a:t>
+            </a:r>
+          </a:p>
+          <a:p>
+            <a:endParaRPr lang="en-US" b="1" dirty="0"/>
+          </a:p>
+          <a:p>
+            <a:r>
+              <a:rPr lang="en-US" b="1" dirty="0"/>
+              <a:t>Nature based:</a:t>
+            </a:r>
+          </a:p>
+          <a:p>
+            <a:r>
+              <a:rPr lang="en-US" b="1" dirty="0"/>
+              <a:t>Weather Condition</a:t>
             </a:r>
           </a:p>
           <a:p>
@@ -1390,7 +1809,7 @@
     </p:spTree>
     <p:extLst>
       <p:ext uri="{BB962C8B-B14F-4D97-AF65-F5344CB8AC3E}">
-        <p14:creationId xmlns:p14="http://schemas.microsoft.com/office/powerpoint/2010/main" val="1680697119"/>
+        <p14:creationId xmlns:p14="http://schemas.microsoft.com/office/powerpoint/2010/main" val="1874189321"/>
       </p:ext>
     </p:extLst>
   </p:cSld>
@@ -1446,24 +1865,74 @@
           <a:p>
             <a:r>
               <a:rPr lang="en-US" dirty="0"/>
-              <a:t>DATA SOURCE</a:t>
-            </a:r>
-          </a:p>
-          <a:p>
-            <a:r>
-              <a:rPr lang="en-US" dirty="0"/>
-              <a:t>WENT THROUGH CLEANING</a:t>
-            </a:r>
-          </a:p>
-          <a:p>
-            <a:r>
-              <a:rPr lang="en-US" dirty="0"/>
-              <a:t>4</a:t>
-            </a:r>
+              <a:t>LOCATION BASED:</a:t>
+            </a:r>
+          </a:p>
+          <a:p>
             <a:r>
               <a:rPr lang="en-US" b="1" dirty="0"/>
-              <a:t> DIFFERENT MODELS</a:t>
-            </a:r>
+              <a:t>Latitude, longitude, Intersection</a:t>
+            </a:r>
+          </a:p>
+          <a:p>
+            <a:endParaRPr lang="en-US" b="1" dirty="0"/>
+          </a:p>
+          <a:p>
+            <a:r>
+              <a:rPr lang="en-US" b="1" dirty="0"/>
+              <a:t>Driver Based:</a:t>
+            </a:r>
+          </a:p>
+          <a:p>
+            <a:r>
+              <a:rPr lang="en-US" b="1" dirty="0" err="1"/>
+              <a:t>Driver_Action</a:t>
+            </a:r>
+            <a:r>
+              <a:rPr lang="en-US" b="1" dirty="0"/>
+              <a:t>, </a:t>
+            </a:r>
+            <a:r>
+              <a:rPr lang="en-US" b="1" dirty="0" err="1"/>
+              <a:t>Physicial</a:t>
+            </a:r>
+            <a:r>
+              <a:rPr lang="en-US" b="1" dirty="0"/>
+              <a:t> Condition, Maneuver</a:t>
+            </a:r>
+          </a:p>
+          <a:p>
+            <a:endParaRPr lang="en-US" b="1" dirty="0"/>
+          </a:p>
+          <a:p>
+            <a:r>
+              <a:rPr lang="en-US" b="1" dirty="0"/>
+              <a:t>Traffic based: </a:t>
+            </a:r>
+          </a:p>
+          <a:p>
+            <a:r>
+              <a:rPr lang="en-US" b="1" dirty="0"/>
+              <a:t>First Contact Point, Num of units, Device Condition</a:t>
+            </a:r>
+          </a:p>
+          <a:p>
+            <a:endParaRPr lang="en-US" b="1" dirty="0"/>
+          </a:p>
+          <a:p>
+            <a:r>
+              <a:rPr lang="en-US" b="1" dirty="0"/>
+              <a:t>Nature based:</a:t>
+            </a:r>
+          </a:p>
+          <a:p>
+            <a:r>
+              <a:rPr lang="en-US" b="1" dirty="0"/>
+              <a:t>Weather Condition</a:t>
+            </a:r>
+          </a:p>
+          <a:p>
+            <a:endParaRPr lang="en-US" b="1" dirty="0"/>
           </a:p>
           <a:p>
             <a:endParaRPr lang="en-US" dirty="0"/>
@@ -1496,7 +1965,7 @@
     </p:spTree>
     <p:extLst>
       <p:ext uri="{BB962C8B-B14F-4D97-AF65-F5344CB8AC3E}">
-        <p14:creationId xmlns:p14="http://schemas.microsoft.com/office/powerpoint/2010/main" val="2050610798"/>
+        <p14:creationId xmlns:p14="http://schemas.microsoft.com/office/powerpoint/2010/main" val="1395157677"/>
       </p:ext>
     </p:extLst>
   </p:cSld>
@@ -1552,24 +2021,26 @@
           <a:p>
             <a:r>
               <a:rPr lang="en-US" dirty="0"/>
-              <a:t>DATA SOURCE</a:t>
-            </a:r>
-          </a:p>
-          <a:p>
-            <a:r>
-              <a:rPr lang="en-US" dirty="0"/>
-              <a:t>WENT THROUGH CLEANING</a:t>
-            </a:r>
-          </a:p>
-          <a:p>
-            <a:r>
-              <a:rPr lang="en-US" dirty="0"/>
-              <a:t>4</a:t>
-            </a:r>
+              <a:t>RECOMMENDATIONS</a:t>
+            </a:r>
+          </a:p>
+          <a:p>
+            <a:endParaRPr lang="en-US" b="1" dirty="0"/>
+          </a:p>
+          <a:p>
             <a:r>
               <a:rPr lang="en-US" b="1" dirty="0"/>
-              <a:t> DIFFERENT MODELS</a:t>
-            </a:r>
+              <a:t>IMPROVEMENTS</a:t>
+            </a:r>
+          </a:p>
+          <a:p>
+            <a:r>
+              <a:rPr lang="en-US" b="1" dirty="0"/>
+              <a:t>NEXT STEPS</a:t>
+            </a:r>
+          </a:p>
+          <a:p>
+            <a:endParaRPr lang="en-US" b="1" dirty="0"/>
           </a:p>
           <a:p>
             <a:endParaRPr lang="en-US" dirty="0"/>
@@ -1593,7 +2064,7 @@
           <a:p>
             <a:fld id="{D80C23F6-912A-4B35-8893-48FD4F0CB91B}" type="slidenum">
               <a:rPr lang="en-US" smtClean="0"/>
-              <a:t>11</a:t>
+              <a:t>10</a:t>
             </a:fld>
             <a:endParaRPr lang="en-US"/>
           </a:p>
@@ -1602,7 +2073,7 @@
     </p:spTree>
     <p:extLst>
       <p:ext uri="{BB962C8B-B14F-4D97-AF65-F5344CB8AC3E}">
-        <p14:creationId xmlns:p14="http://schemas.microsoft.com/office/powerpoint/2010/main" val="1734931448"/>
+        <p14:creationId xmlns:p14="http://schemas.microsoft.com/office/powerpoint/2010/main" val="2226807521"/>
       </p:ext>
     </p:extLst>
   </p:cSld>
@@ -1759,7 +2230,7 @@
           <a:p>
             <a:fld id="{02D26696-62FB-014A-BA2B-7484DF4689F2}" type="datetime1">
               <a:rPr lang="en-US" smtClean="0"/>
-              <a:t>5/7/23</a:t>
+              <a:t>5/9/23</a:t>
             </a:fld>
             <a:endParaRPr lang="en-US"/>
           </a:p>
@@ -1960,7 +2431,7 @@
           <a:p>
             <a:fld id="{F5190EAF-3BBF-0949-8BA8-BAACC17CA080}" type="datetime1">
               <a:rPr lang="en-US" smtClean="0"/>
-              <a:t>5/7/23</a:t>
+              <a:t>5/9/23</a:t>
             </a:fld>
             <a:endParaRPr lang="en-US"/>
           </a:p>
@@ -2171,7 +2642,7 @@
           <a:p>
             <a:fld id="{4845F737-EF13-F04B-A986-A103E3CA8E6F}" type="datetime1">
               <a:rPr lang="en-US" smtClean="0"/>
-              <a:t>5/7/23</a:t>
+              <a:t>5/9/23</a:t>
             </a:fld>
             <a:endParaRPr lang="en-US"/>
           </a:p>
@@ -2372,7 +2843,7 @@
           <a:p>
             <a:fld id="{114C2A0D-2B29-0F44-BF7C-0CDEB06E5799}" type="datetime1">
               <a:rPr lang="en-US" smtClean="0"/>
-              <a:t>5/7/23</a:t>
+              <a:t>5/9/23</a:t>
             </a:fld>
             <a:endParaRPr lang="en-US"/>
           </a:p>
@@ -2650,7 +3121,7 @@
           <a:p>
             <a:fld id="{89B9BF1D-FA1D-0942-937D-9530B3BF56AB}" type="datetime1">
               <a:rPr lang="en-US" smtClean="0"/>
-              <a:t>5/7/23</a:t>
+              <a:t>5/9/23</a:t>
             </a:fld>
             <a:endParaRPr lang="en-US"/>
           </a:p>
@@ -2918,7 +3389,7 @@
           <a:p>
             <a:fld id="{23D8B434-8658-0343-B518-C735FCBD1138}" type="datetime1">
               <a:rPr lang="en-US" smtClean="0"/>
-              <a:t>5/7/23</a:t>
+              <a:t>5/9/23</a:t>
             </a:fld>
             <a:endParaRPr lang="en-US"/>
           </a:p>
@@ -3333,7 +3804,7 @@
           <a:p>
             <a:fld id="{5C56CDB2-1D3D-D548-B3B1-A79FC3A53033}" type="datetime1">
               <a:rPr lang="en-US" smtClean="0"/>
-              <a:t>5/7/23</a:t>
+              <a:t>5/9/23</a:t>
             </a:fld>
             <a:endParaRPr lang="en-US"/>
           </a:p>
@@ -3477,7 +3948,7 @@
           <a:p>
             <a:fld id="{CBAC8375-6DD7-A64E-AA1C-E2D18C82DA31}" type="datetime1">
               <a:rPr lang="en-US" smtClean="0"/>
-              <a:t>5/7/23</a:t>
+              <a:t>5/9/23</a:t>
             </a:fld>
             <a:endParaRPr lang="en-US"/>
           </a:p>
@@ -3593,7 +4064,7 @@
           <a:p>
             <a:fld id="{223555FE-75E1-874D-A33E-0FDE27E9D268}" type="datetime1">
               <a:rPr lang="en-US" smtClean="0"/>
-              <a:t>5/7/23</a:t>
+              <a:t>5/9/23</a:t>
             </a:fld>
             <a:endParaRPr lang="en-US"/>
           </a:p>
@@ -3907,7 +4378,7 @@
           <a:p>
             <a:fld id="{F08EDA88-0E65-BE4A-9B3B-8520E0588D91}" type="datetime1">
               <a:rPr lang="en-US" smtClean="0"/>
-              <a:t>5/7/23</a:t>
+              <a:t>5/9/23</a:t>
             </a:fld>
             <a:endParaRPr lang="en-US"/>
           </a:p>
@@ -4198,7 +4669,7 @@
           <a:p>
             <a:fld id="{4B04226F-816A-AA4D-9AA4-734B9EE33997}" type="datetime1">
               <a:rPr lang="en-US" smtClean="0"/>
-              <a:t>5/7/23</a:t>
+              <a:t>5/9/23</a:t>
             </a:fld>
             <a:endParaRPr lang="en-US"/>
           </a:p>
@@ -4442,7 +4913,7 @@
           <a:p>
             <a:fld id="{6B78B646-8FD8-AC47-9ADB-ADCBA2CED626}" type="datetime1">
               <a:rPr lang="en-US" smtClean="0"/>
-              <a:t>5/7/23</a:t>
+              <a:t>5/9/23</a:t>
             </a:fld>
             <a:endParaRPr lang="en-US"/>
           </a:p>
@@ -5602,168 +6073,6 @@
       </p:grpSpPr>
       <p:sp>
         <p:nvSpPr>
-          <p:cNvPr id="2" name="Title 1">
-            <a:extLst>
-              <a:ext uri="{FF2B5EF4-FFF2-40B4-BE49-F238E27FC236}">
-                <a16:creationId xmlns:a16="http://schemas.microsoft.com/office/drawing/2014/main" id="{EC742008-F103-4D01-8BD0-AB5653BDA2AE}"/>
-              </a:ext>
-            </a:extLst>
-          </p:cNvPr>
-          <p:cNvSpPr>
-            <a:spLocks noGrp="1"/>
-          </p:cNvSpPr>
-          <p:nvPr>
-            <p:ph type="ctrTitle"/>
-          </p:nvPr>
-        </p:nvSpPr>
-        <p:spPr>
-          <a:xfrm>
-            <a:off x="477981" y="1122363"/>
-            <a:ext cx="4023360" cy="3204134"/>
-          </a:xfrm>
-        </p:spPr>
-        <p:txBody>
-          <a:bodyPr anchor="b">
-            <a:normAutofit/>
-          </a:bodyPr>
-          <a:lstStyle/>
-          <a:p>
-            <a:pPr algn="l"/>
-            <a:r>
-              <a:rPr lang="en-US" sz="4800" b="1" dirty="0">
-                <a:latin typeface="Calibri Light"/>
-                <a:cs typeface="Calibri Light"/>
-              </a:rPr>
-              <a:t>CHICAGO DOT CAR CRASHES ANALYSIS</a:t>
-            </a:r>
-            <a:endParaRPr lang="en-US" sz="4800" dirty="0">
-              <a:latin typeface="Calibri Light"/>
-              <a:cs typeface="Calibri Light"/>
-            </a:endParaRPr>
-          </a:p>
-          <a:p>
-            <a:pPr algn="l"/>
-            <a:endParaRPr lang="en-US" sz="4800" dirty="0">
-              <a:latin typeface="Arial" panose="020B0604020202020204" pitchFamily="34" charset="0"/>
-              <a:cs typeface="Arial" panose="020B0604020202020204" pitchFamily="34" charset="0"/>
-            </a:endParaRPr>
-          </a:p>
-        </p:txBody>
-      </p:sp>
-      <p:sp>
-        <p:nvSpPr>
-          <p:cNvPr id="3" name="Subtitle 2">
-            <a:extLst>
-              <a:ext uri="{FF2B5EF4-FFF2-40B4-BE49-F238E27FC236}">
-                <a16:creationId xmlns:a16="http://schemas.microsoft.com/office/drawing/2014/main" id="{8128B375-D514-4FBA-A1A7-F8AEC720C16C}"/>
-              </a:ext>
-            </a:extLst>
-          </p:cNvPr>
-          <p:cNvSpPr>
-            <a:spLocks noGrp="1"/>
-          </p:cNvSpPr>
-          <p:nvPr>
-            <p:ph type="subTitle" idx="1"/>
-          </p:nvPr>
-        </p:nvSpPr>
-        <p:spPr>
-          <a:xfrm>
-            <a:off x="477981" y="4872922"/>
-            <a:ext cx="3933306" cy="1208141"/>
-          </a:xfrm>
-        </p:spPr>
-        <p:txBody>
-          <a:bodyPr>
-            <a:normAutofit/>
-          </a:bodyPr>
-          <a:lstStyle/>
-          <a:p>
-            <a:pPr algn="l"/>
-            <a:r>
-              <a:rPr lang="en-US" sz="2000"/>
-              <a:t>05/08/2023</a:t>
-            </a:r>
-          </a:p>
-        </p:txBody>
-      </p:sp>
-      <p:pic>
-        <p:nvPicPr>
-          <p:cNvPr id="1026" name="Picture 2" descr="CDOT Shared Streets Feedback">
-            <a:extLst>
-              <a:ext uri="{FF2B5EF4-FFF2-40B4-BE49-F238E27FC236}">
-                <a16:creationId xmlns:a16="http://schemas.microsoft.com/office/drawing/2014/main" id="{A6F6C0C1-1D5D-F365-692E-86B853A5269E}"/>
-              </a:ext>
-            </a:extLst>
-          </p:cNvPr>
-          <p:cNvPicPr>
-            <a:picLocks noChangeAspect="1" noChangeArrowheads="1"/>
-          </p:cNvPicPr>
-          <p:nvPr/>
-        </p:nvPicPr>
-        <p:blipFill>
-          <a:blip r:embed="rId2">
-            <a:extLst>
-              <a:ext uri="{28A0092B-C50C-407E-A947-70E740481C1C}">
-                <a14:useLocalDpi xmlns:a14="http://schemas.microsoft.com/office/drawing/2010/main" val="0"/>
-              </a:ext>
-            </a:extLst>
-          </a:blip>
-          <a:stretch>
-            <a:fillRect/>
-          </a:stretch>
-        </p:blipFill>
-        <p:spPr bwMode="auto">
-          <a:xfrm>
-            <a:off x="5414356" y="2099156"/>
-            <a:ext cx="6408836" cy="2508435"/>
-          </a:xfrm>
-          <a:prstGeom prst="rect">
-            <a:avLst/>
-          </a:prstGeom>
-          <a:noFill/>
-          <a:extLst>
-            <a:ext uri="{909E8E84-426E-40DD-AFC4-6F175D3DCCD1}">
-              <a14:hiddenFill xmlns:a14="http://schemas.microsoft.com/office/drawing/2010/main">
-                <a:solidFill>
-                  <a:srgbClr val="FFFFFF"/>
-                </a:solidFill>
-              </a14:hiddenFill>
-            </a:ext>
-          </a:extLst>
-        </p:spPr>
-      </p:pic>
-    </p:spTree>
-    <p:extLst>
-      <p:ext uri="{BB962C8B-B14F-4D97-AF65-F5344CB8AC3E}">
-        <p14:creationId xmlns:p14="http://schemas.microsoft.com/office/powerpoint/2010/main" val="1519005100"/>
-      </p:ext>
-    </p:extLst>
-  </p:cSld>
-  <p:clrMapOvr>
-    <a:masterClrMapping/>
-  </p:clrMapOvr>
-</p:sld>
-</file>
-
-<file path=ppt/slides/slide11.xml><?xml version="1.0" encoding="utf-8"?>
-<p:sld xmlns:a="http://schemas.openxmlformats.org/drawingml/2006/main" xmlns:r="http://schemas.openxmlformats.org/officeDocument/2006/relationships" xmlns:p="http://schemas.openxmlformats.org/presentationml/2006/main">
-  <p:cSld>
-    <p:spTree>
-      <p:nvGrpSpPr>
-        <p:cNvPr id="1" name=""/>
-        <p:cNvGrpSpPr/>
-        <p:nvPr/>
-      </p:nvGrpSpPr>
-      <p:grpSpPr>
-        <a:xfrm>
-          <a:off x="0" y="0"/>
-          <a:ext cx="0" cy="0"/>
-          <a:chOff x="0" y="0"/>
-          <a:chExt cx="0" cy="0"/>
-        </a:xfrm>
-      </p:grpSpPr>
-      <p:sp>
-        <p:nvSpPr>
           <p:cNvPr id="4" name="Footer Placeholder 3">
             <a:extLst>
               <a:ext uri="{FF2B5EF4-FFF2-40B4-BE49-F238E27FC236}">
@@ -5921,7 +6230,10 @@
           </a:bodyPr>
           <a:lstStyle/>
           <a:p>
-            <a:endParaRPr lang="en-US" sz="3200" b="1" dirty="0"/>
+            <a:r>
+              <a:rPr lang="en-US" sz="3200" b="1" dirty="0"/>
+              <a:t>IMPROVEMENTS</a:t>
+            </a:r>
           </a:p>
         </p:txBody>
       </p:sp>
@@ -5953,7 +6265,7 @@
           <a:p>
             <a:fld id="{A2335344-E137-4E37-AA49-325239A09CBE}" type="slidenum">
               <a:rPr lang="en-US" smtClean="0"/>
-              <a:t>11</a:t>
+              <a:t>10</a:t>
             </a:fld>
             <a:endParaRPr lang="en-US"/>
           </a:p>
@@ -5961,10 +6273,10 @@
       </p:sp>
       <p:sp>
         <p:nvSpPr>
-          <p:cNvPr id="9" name="Rectangle 8">
-            <a:extLst>
-              <a:ext uri="{FF2B5EF4-FFF2-40B4-BE49-F238E27FC236}">
-                <a16:creationId xmlns:a16="http://schemas.microsoft.com/office/drawing/2014/main" id="{E32F1953-CF09-76C5-2A9E-F75AA4BD20E3}"/>
+          <p:cNvPr id="5" name="Rectangle 4">
+            <a:extLst>
+              <a:ext uri="{FF2B5EF4-FFF2-40B4-BE49-F238E27FC236}">
+                <a16:creationId xmlns:a16="http://schemas.microsoft.com/office/drawing/2014/main" id="{B612520D-DB9A-3E92-959F-F491541972C9}"/>
               </a:ext>
             </a:extLst>
           </p:cNvPr>
@@ -5973,41 +6285,70 @@
         </p:nvSpPr>
         <p:spPr>
           <a:xfrm>
-            <a:off x="3500963" y="2409194"/>
-            <a:ext cx="5190075" cy="1862048"/>
+            <a:off x="616017" y="902407"/>
+            <a:ext cx="10972799" cy="5399838"/>
           </a:xfrm>
           <a:prstGeom prst="rect">
             <a:avLst/>
           </a:prstGeom>
-          <a:noFill/>
-        </p:spPr>
-        <p:txBody>
-          <a:bodyPr wrap="none" lIns="91440" tIns="45720" rIns="91440" bIns="45720">
-            <a:spAutoFit/>
-          </a:bodyPr>
-          <a:lstStyle/>
-          <a:p>
-            <a:pPr algn="ctr"/>
-            <a:r>
-              <a:rPr lang="en-US" sz="11500" b="1" cap="none" spc="0" dirty="0">
-                <a:ln w="9525">
-                  <a:solidFill>
-                    <a:schemeClr val="bg1"/>
-                  </a:solidFill>
-                  <a:prstDash val="solid"/>
-                </a:ln>
-                <a:solidFill>
-                  <a:schemeClr val="tx1"/>
-                </a:solidFill>
-                <a:effectLst>
-                  <a:outerShdw blurRad="12700" dist="38100" dir="2700000" algn="tl" rotWithShape="0">
-                    <a:schemeClr val="bg1">
-                      <a:lumMod val="50000"/>
-                    </a:schemeClr>
-                  </a:outerShdw>
-                </a:effectLst>
+        </p:spPr>
+        <p:txBody>
+          <a:bodyPr lIns="91440" tIns="45720" rIns="91440" bIns="45720" anchor="t"/>
+          <a:lstStyle/>
+          <a:p>
+            <a:pPr lvl="0" indent="239395">
+              <a:lnSpc>
+                <a:spcPct val="200000"/>
+              </a:lnSpc>
+              <a:buChar char="•"/>
+            </a:pPr>
+            <a:r>
+              <a:rPr lang="en-US" sz="2800" dirty="0">
+                <a:cs typeface="Calibri"/>
               </a:rPr>
-              <a:t>BACKUP</a:t>
+              <a:t>Higher Granularity</a:t>
+            </a:r>
+          </a:p>
+          <a:p>
+            <a:pPr lvl="0" indent="239395">
+              <a:lnSpc>
+                <a:spcPct val="200000"/>
+              </a:lnSpc>
+              <a:buChar char="•"/>
+            </a:pPr>
+            <a:r>
+              <a:rPr lang="en-US" sz="2800" dirty="0">
+                <a:cs typeface="Calibri"/>
+              </a:rPr>
+              <a:t>Increased Model Iterations</a:t>
+            </a:r>
+          </a:p>
+          <a:p>
+            <a:pPr lvl="0" indent="239395">
+              <a:lnSpc>
+                <a:spcPct val="200000"/>
+              </a:lnSpc>
+              <a:buChar char="•"/>
+            </a:pPr>
+            <a:r>
+              <a:rPr lang="en-US" sz="2800" dirty="0">
+                <a:cs typeface="Calibri"/>
+              </a:rPr>
+              <a:t>Improve Sampling Methods and fill in gaps in original data</a:t>
+            </a:r>
+          </a:p>
+          <a:p>
+            <a:pPr lvl="0" indent="239395">
+              <a:lnSpc>
+                <a:spcPct val="200000"/>
+              </a:lnSpc>
+              <a:buChar char="•"/>
+            </a:pPr>
+            <a:r>
+              <a:rPr lang="en-US" sz="2800" dirty="0">
+                <a:cs typeface="Calibri"/>
+              </a:rPr>
+              <a:t>Use missing factors such as Traffic Volume and Congestion Percentages</a:t>
             </a:r>
           </a:p>
         </p:txBody>
@@ -6015,7 +6356,7 @@
     </p:spTree>
     <p:extLst>
       <p:ext uri="{BB962C8B-B14F-4D97-AF65-F5344CB8AC3E}">
-        <p14:creationId xmlns:p14="http://schemas.microsoft.com/office/powerpoint/2010/main" val="3033179422"/>
+        <p14:creationId xmlns:p14="http://schemas.microsoft.com/office/powerpoint/2010/main" val="2850473822"/>
       </p:ext>
     </p:extLst>
   </p:cSld>
@@ -6025,7 +6366,7 @@
 </p:sld>
 </file>
 
-<file path=ppt/slides/slide12.xml><?xml version="1.0" encoding="utf-8"?>
+<file path=ppt/slides/slide11.xml><?xml version="1.0" encoding="utf-8"?>
 <p:sld xmlns:a="http://schemas.openxmlformats.org/drawingml/2006/main" xmlns:r="http://schemas.openxmlformats.org/officeDocument/2006/relationships" xmlns:p="http://schemas.openxmlformats.org/presentationml/2006/main">
   <p:cSld>
     <p:spTree>
@@ -6201,6 +6542,318 @@
           </a:bodyPr>
           <a:lstStyle/>
           <a:p>
+            <a:r>
+              <a:rPr lang="en-US" sz="3200" b="1" dirty="0"/>
+              <a:t>RECOMMENDATIONS</a:t>
+            </a:r>
+          </a:p>
+        </p:txBody>
+      </p:sp>
+      <p:sp>
+        <p:nvSpPr>
+          <p:cNvPr id="3" name="Slide Number Placeholder 2">
+            <a:extLst>
+              <a:ext uri="{FF2B5EF4-FFF2-40B4-BE49-F238E27FC236}">
+                <a16:creationId xmlns:a16="http://schemas.microsoft.com/office/drawing/2014/main" id="{88E8A81B-46D5-4424-81D5-443C1E59DF5A}"/>
+              </a:ext>
+            </a:extLst>
+          </p:cNvPr>
+          <p:cNvSpPr>
+            <a:spLocks noGrp="1"/>
+          </p:cNvSpPr>
+          <p:nvPr>
+            <p:ph type="sldNum" sz="quarter" idx="12"/>
+          </p:nvPr>
+        </p:nvSpPr>
+        <p:spPr>
+          <a:xfrm>
+            <a:off x="8610600" y="6491101"/>
+            <a:ext cx="2743200" cy="365125"/>
+          </a:xfrm>
+        </p:spPr>
+        <p:txBody>
+          <a:bodyPr/>
+          <a:lstStyle/>
+          <a:p>
+            <a:fld id="{A2335344-E137-4E37-AA49-325239A09CBE}" type="slidenum">
+              <a:rPr lang="en-US" smtClean="0"/>
+              <a:t>11</a:t>
+            </a:fld>
+            <a:endParaRPr lang="en-US"/>
+          </a:p>
+        </p:txBody>
+      </p:sp>
+      <p:sp>
+        <p:nvSpPr>
+          <p:cNvPr id="5" name="Rectangle 4">
+            <a:extLst>
+              <a:ext uri="{FF2B5EF4-FFF2-40B4-BE49-F238E27FC236}">
+                <a16:creationId xmlns:a16="http://schemas.microsoft.com/office/drawing/2014/main" id="{B612520D-DB9A-3E92-959F-F491541972C9}"/>
+              </a:ext>
+            </a:extLst>
+          </p:cNvPr>
+          <p:cNvSpPr/>
+          <p:nvPr/>
+        </p:nvSpPr>
+        <p:spPr>
+          <a:xfrm>
+            <a:off x="616017" y="902407"/>
+            <a:ext cx="10972799" cy="5399838"/>
+          </a:xfrm>
+          <a:prstGeom prst="rect">
+            <a:avLst/>
+          </a:prstGeom>
+        </p:spPr>
+        <p:txBody>
+          <a:bodyPr lIns="91440" tIns="45720" rIns="91440" bIns="45720" anchor="t"/>
+          <a:lstStyle/>
+          <a:p>
+            <a:pPr lvl="0" indent="239395">
+              <a:lnSpc>
+                <a:spcPct val="200000"/>
+              </a:lnSpc>
+              <a:buChar char="•"/>
+            </a:pPr>
+            <a:r>
+              <a:rPr lang="en-US" sz="2800" dirty="0">
+                <a:cs typeface="Calibri"/>
+              </a:rPr>
+              <a:t>Research the trends tied with location factors</a:t>
+            </a:r>
+          </a:p>
+          <a:p>
+            <a:pPr lvl="0" indent="239395">
+              <a:lnSpc>
+                <a:spcPct val="200000"/>
+              </a:lnSpc>
+              <a:buChar char="•"/>
+            </a:pPr>
+            <a:r>
+              <a:rPr lang="en-US" sz="2800" dirty="0">
+                <a:cs typeface="Calibri"/>
+              </a:rPr>
+              <a:t>Explore how driver actions impact crashes</a:t>
+            </a:r>
+          </a:p>
+          <a:p>
+            <a:pPr lvl="0" indent="239395">
+              <a:lnSpc>
+                <a:spcPct val="200000"/>
+              </a:lnSpc>
+              <a:buChar char="•"/>
+            </a:pPr>
+            <a:r>
+              <a:rPr lang="en-US" sz="2800" dirty="0">
+                <a:cs typeface="Calibri"/>
+              </a:rPr>
+              <a:t>Develop mobility engineering plans and awareness campaigns</a:t>
+            </a:r>
+          </a:p>
+          <a:p>
+            <a:pPr lvl="0" indent="239395">
+              <a:lnSpc>
+                <a:spcPct val="200000"/>
+              </a:lnSpc>
+              <a:buChar char="•"/>
+            </a:pPr>
+            <a:r>
+              <a:rPr lang="en-US" sz="2800" dirty="0">
+                <a:cs typeface="Calibri"/>
+              </a:rPr>
+              <a:t>Improve performance of model</a:t>
+            </a:r>
+          </a:p>
+        </p:txBody>
+      </p:sp>
+    </p:spTree>
+    <p:extLst>
+      <p:ext uri="{BB962C8B-B14F-4D97-AF65-F5344CB8AC3E}">
+        <p14:creationId xmlns:p14="http://schemas.microsoft.com/office/powerpoint/2010/main" val="342927887"/>
+      </p:ext>
+    </p:extLst>
+  </p:cSld>
+  <p:clrMapOvr>
+    <a:masterClrMapping/>
+  </p:clrMapOvr>
+</p:sld>
+</file>
+
+<file path=ppt/slides/slide12.xml><?xml version="1.0" encoding="utf-8"?>
+<p:sld xmlns:a="http://schemas.openxmlformats.org/drawingml/2006/main" xmlns:r="http://schemas.openxmlformats.org/officeDocument/2006/relationships" xmlns:p="http://schemas.openxmlformats.org/presentationml/2006/main">
+  <p:cSld>
+    <p:spTree>
+      <p:nvGrpSpPr>
+        <p:cNvPr id="1" name=""/>
+        <p:cNvGrpSpPr/>
+        <p:nvPr/>
+      </p:nvGrpSpPr>
+      <p:grpSpPr>
+        <a:xfrm>
+          <a:off x="0" y="0"/>
+          <a:ext cx="0" cy="0"/>
+          <a:chOff x="0" y="0"/>
+          <a:chExt cx="0" cy="0"/>
+        </a:xfrm>
+      </p:grpSpPr>
+      <p:sp>
+        <p:nvSpPr>
+          <p:cNvPr id="4" name="Footer Placeholder 3">
+            <a:extLst>
+              <a:ext uri="{FF2B5EF4-FFF2-40B4-BE49-F238E27FC236}">
+                <a16:creationId xmlns:a16="http://schemas.microsoft.com/office/drawing/2014/main" id="{481BD79E-DB58-407F-87D6-B42E985F0EE1}"/>
+              </a:ext>
+            </a:extLst>
+          </p:cNvPr>
+          <p:cNvSpPr>
+            <a:spLocks noGrp="1"/>
+          </p:cNvSpPr>
+          <p:nvPr>
+            <p:ph type="ftr" sz="quarter" idx="11"/>
+          </p:nvPr>
+        </p:nvSpPr>
+        <p:spPr>
+          <a:xfrm>
+            <a:off x="148053" y="6473796"/>
+            <a:ext cx="4114800" cy="365125"/>
+          </a:xfrm>
+        </p:spPr>
+        <p:txBody>
+          <a:bodyPr/>
+          <a:lstStyle/>
+          <a:p>
+            <a:pPr algn="l"/>
+            <a:r>
+              <a:rPr lang="en-US"/>
+              <a:t>CHICAGO DOT CAR CRASHES ANALYSIS</a:t>
+            </a:r>
+          </a:p>
+        </p:txBody>
+      </p:sp>
+      <p:grpSp>
+        <p:nvGrpSpPr>
+          <p:cNvPr id="12" name="Group 11">
+            <a:extLst>
+              <a:ext uri="{FF2B5EF4-FFF2-40B4-BE49-F238E27FC236}">
+                <a16:creationId xmlns:a16="http://schemas.microsoft.com/office/drawing/2014/main" id="{12A7430A-D8E2-42E6-B0E8-394BE98F5AEE}"/>
+              </a:ext>
+            </a:extLst>
+          </p:cNvPr>
+          <p:cNvGrpSpPr/>
+          <p:nvPr/>
+        </p:nvGrpSpPr>
+        <p:grpSpPr>
+          <a:xfrm>
+            <a:off x="175529" y="686308"/>
+            <a:ext cx="11845895" cy="5815626"/>
+            <a:chOff x="175529" y="468194"/>
+            <a:chExt cx="11845895" cy="5815626"/>
+          </a:xfrm>
+        </p:grpSpPr>
+        <p:cxnSp>
+          <p:nvCxnSpPr>
+            <p:cNvPr id="7" name="Straight Connector 6">
+              <a:extLst>
+                <a:ext uri="{FF2B5EF4-FFF2-40B4-BE49-F238E27FC236}">
+                  <a16:creationId xmlns:a16="http://schemas.microsoft.com/office/drawing/2014/main" id="{875D4D4E-1164-4C36-A979-52BE3853BA26}"/>
+                </a:ext>
+              </a:extLst>
+            </p:cNvPr>
+            <p:cNvCxnSpPr>
+              <a:cxnSpLocks/>
+            </p:cNvCxnSpPr>
+            <p:nvPr/>
+          </p:nvCxnSpPr>
+          <p:spPr>
+            <a:xfrm>
+              <a:off x="175529" y="6283820"/>
+              <a:ext cx="11828477" cy="0"/>
+            </a:xfrm>
+            <a:prstGeom prst="line">
+              <a:avLst/>
+            </a:prstGeom>
+          </p:spPr>
+          <p:style>
+            <a:lnRef idx="1">
+              <a:schemeClr val="dk1"/>
+            </a:lnRef>
+            <a:fillRef idx="0">
+              <a:schemeClr val="dk1"/>
+            </a:fillRef>
+            <a:effectRef idx="0">
+              <a:schemeClr val="dk1"/>
+            </a:effectRef>
+            <a:fontRef idx="minor">
+              <a:schemeClr val="tx1"/>
+            </a:fontRef>
+          </p:style>
+        </p:cxnSp>
+        <p:cxnSp>
+          <p:nvCxnSpPr>
+            <p:cNvPr id="11" name="Straight Connector 10">
+              <a:extLst>
+                <a:ext uri="{FF2B5EF4-FFF2-40B4-BE49-F238E27FC236}">
+                  <a16:creationId xmlns:a16="http://schemas.microsoft.com/office/drawing/2014/main" id="{9068A5B3-63DA-4658-A3C2-AB3C5E713370}"/>
+                </a:ext>
+              </a:extLst>
+            </p:cNvPr>
+            <p:cNvCxnSpPr>
+              <a:cxnSpLocks/>
+            </p:cNvCxnSpPr>
+            <p:nvPr/>
+          </p:nvCxnSpPr>
+          <p:spPr>
+            <a:xfrm>
+              <a:off x="192947" y="468194"/>
+              <a:ext cx="11828477" cy="0"/>
+            </a:xfrm>
+            <a:prstGeom prst="line">
+              <a:avLst/>
+            </a:prstGeom>
+          </p:spPr>
+          <p:style>
+            <a:lnRef idx="1">
+              <a:schemeClr val="dk1"/>
+            </a:lnRef>
+            <a:fillRef idx="0">
+              <a:schemeClr val="dk1"/>
+            </a:fillRef>
+            <a:effectRef idx="0">
+              <a:schemeClr val="dk1"/>
+            </a:effectRef>
+            <a:fontRef idx="minor">
+              <a:schemeClr val="tx1"/>
+            </a:fontRef>
+          </p:style>
+        </p:cxnSp>
+      </p:grpSp>
+      <p:sp>
+        <p:nvSpPr>
+          <p:cNvPr id="8" name="Title 1">
+            <a:extLst>
+              <a:ext uri="{FF2B5EF4-FFF2-40B4-BE49-F238E27FC236}">
+                <a16:creationId xmlns:a16="http://schemas.microsoft.com/office/drawing/2014/main" id="{81AA59FD-25F1-4B46-82FA-D0959E0AF7FF}"/>
+              </a:ext>
+            </a:extLst>
+          </p:cNvPr>
+          <p:cNvSpPr>
+            <a:spLocks noGrp="1"/>
+          </p:cNvSpPr>
+          <p:nvPr>
+            <p:ph type="title"/>
+          </p:nvPr>
+        </p:nvSpPr>
+        <p:spPr>
+          <a:xfrm>
+            <a:off x="148052" y="76969"/>
+            <a:ext cx="8957447" cy="539847"/>
+          </a:xfrm>
+        </p:spPr>
+        <p:txBody>
+          <a:bodyPr>
+            <a:normAutofit/>
+          </a:bodyPr>
+          <a:lstStyle/>
+          <a:p>
             <a:endParaRPr lang="en-US" sz="3200" b="1" dirty="0"/>
           </a:p>
         </p:txBody>
@@ -6239,40 +6892,63 @@
           </a:p>
         </p:txBody>
       </p:sp>
-      <p:pic>
-        <p:nvPicPr>
-          <p:cNvPr id="10" name="Picture 9">
-            <a:extLst>
-              <a:ext uri="{FF2B5EF4-FFF2-40B4-BE49-F238E27FC236}">
-                <a16:creationId xmlns:a16="http://schemas.microsoft.com/office/drawing/2014/main" id="{AABFB02F-69DA-3D4D-1548-4C5FCF3B7B18}"/>
-              </a:ext>
-            </a:extLst>
-          </p:cNvPr>
-          <p:cNvPicPr>
-            <a:picLocks noChangeAspect="1"/>
-          </p:cNvPicPr>
+      <p:sp>
+        <p:nvSpPr>
+          <p:cNvPr id="9" name="Rectangle 8">
+            <a:extLst>
+              <a:ext uri="{FF2B5EF4-FFF2-40B4-BE49-F238E27FC236}">
+                <a16:creationId xmlns:a16="http://schemas.microsoft.com/office/drawing/2014/main" id="{E32F1953-CF09-76C5-2A9E-F75AA4BD20E3}"/>
+              </a:ext>
+            </a:extLst>
+          </p:cNvPr>
+          <p:cNvSpPr/>
           <p:nvPr/>
-        </p:nvPicPr>
-        <p:blipFill>
-          <a:blip r:embed="rId3"/>
-          <a:stretch>
-            <a:fillRect/>
-          </a:stretch>
-        </p:blipFill>
+        </p:nvSpPr>
         <p:spPr>
           <a:xfrm>
-            <a:off x="3794496" y="1256309"/>
-            <a:ext cx="4318000" cy="4508500"/>
+            <a:off x="2085928" y="2409194"/>
+            <a:ext cx="8020144" cy="1862048"/>
           </a:xfrm>
           <a:prstGeom prst="rect">
             <a:avLst/>
           </a:prstGeom>
-        </p:spPr>
-      </p:pic>
+          <a:noFill/>
+        </p:spPr>
+        <p:txBody>
+          <a:bodyPr wrap="none" lIns="91440" tIns="45720" rIns="91440" bIns="45720">
+            <a:spAutoFit/>
+          </a:bodyPr>
+          <a:lstStyle/>
+          <a:p>
+            <a:pPr algn="ctr"/>
+            <a:r>
+              <a:rPr lang="en-US" sz="11500" b="1" cap="none" spc="0" dirty="0">
+                <a:ln w="9525">
+                  <a:solidFill>
+                    <a:schemeClr val="bg1"/>
+                  </a:solidFill>
+                  <a:prstDash val="solid"/>
+                </a:ln>
+                <a:solidFill>
+                  <a:schemeClr val="tx1"/>
+                </a:solidFill>
+                <a:effectLst>
+                  <a:outerShdw blurRad="12700" dist="38100" dir="2700000" algn="tl" rotWithShape="0">
+                    <a:schemeClr val="bg1">
+                      <a:lumMod val="50000"/>
+                    </a:schemeClr>
+                  </a:outerShdw>
+                </a:effectLst>
+              </a:rPr>
+              <a:t>QUESTIONS?</a:t>
+            </a:r>
+          </a:p>
+        </p:txBody>
+      </p:sp>
     </p:spTree>
     <p:extLst>
       <p:ext uri="{BB962C8B-B14F-4D97-AF65-F5344CB8AC3E}">
-        <p14:creationId xmlns:p14="http://schemas.microsoft.com/office/powerpoint/2010/main" val="3390403155"/>
+        <p14:creationId xmlns:p14="http://schemas.microsoft.com/office/powerpoint/2010/main" val="86224608"/>
       </p:ext>
     </p:extLst>
   </p:cSld>
@@ -6301,10 +6977,172 @@
       </p:grpSpPr>
       <p:sp>
         <p:nvSpPr>
+          <p:cNvPr id="2" name="Title 1">
+            <a:extLst>
+              <a:ext uri="{FF2B5EF4-FFF2-40B4-BE49-F238E27FC236}">
+                <a16:creationId xmlns:a16="http://schemas.microsoft.com/office/drawing/2014/main" id="{EC742008-F103-4D01-8BD0-AB5653BDA2AE}"/>
+              </a:ext>
+            </a:extLst>
+          </p:cNvPr>
+          <p:cNvSpPr>
+            <a:spLocks noGrp="1"/>
+          </p:cNvSpPr>
+          <p:nvPr>
+            <p:ph type="ctrTitle"/>
+          </p:nvPr>
+        </p:nvSpPr>
+        <p:spPr>
+          <a:xfrm>
+            <a:off x="477981" y="1122363"/>
+            <a:ext cx="4023360" cy="3204134"/>
+          </a:xfrm>
+        </p:spPr>
+        <p:txBody>
+          <a:bodyPr anchor="b">
+            <a:normAutofit/>
+          </a:bodyPr>
+          <a:lstStyle/>
+          <a:p>
+            <a:pPr algn="l"/>
+            <a:r>
+              <a:rPr lang="en-US" sz="4800" b="1" dirty="0">
+                <a:latin typeface="Calibri Light"/>
+                <a:cs typeface="Calibri Light"/>
+              </a:rPr>
+              <a:t>CHICAGO DOT CAR CRASHES ANALYSIS</a:t>
+            </a:r>
+            <a:endParaRPr lang="en-US" sz="4800" dirty="0">
+              <a:latin typeface="Calibri Light"/>
+              <a:cs typeface="Calibri Light"/>
+            </a:endParaRPr>
+          </a:p>
+          <a:p>
+            <a:pPr algn="l"/>
+            <a:endParaRPr lang="en-US" sz="4800" dirty="0">
+              <a:latin typeface="Arial" panose="020B0604020202020204" pitchFamily="34" charset="0"/>
+              <a:cs typeface="Arial" panose="020B0604020202020204" pitchFamily="34" charset="0"/>
+            </a:endParaRPr>
+          </a:p>
+        </p:txBody>
+      </p:sp>
+      <p:sp>
+        <p:nvSpPr>
+          <p:cNvPr id="3" name="Subtitle 2">
+            <a:extLst>
+              <a:ext uri="{FF2B5EF4-FFF2-40B4-BE49-F238E27FC236}">
+                <a16:creationId xmlns:a16="http://schemas.microsoft.com/office/drawing/2014/main" id="{8128B375-D514-4FBA-A1A7-F8AEC720C16C}"/>
+              </a:ext>
+            </a:extLst>
+          </p:cNvPr>
+          <p:cNvSpPr>
+            <a:spLocks noGrp="1"/>
+          </p:cNvSpPr>
+          <p:nvPr>
+            <p:ph type="subTitle" idx="1"/>
+          </p:nvPr>
+        </p:nvSpPr>
+        <p:spPr>
+          <a:xfrm>
+            <a:off x="477981" y="4872922"/>
+            <a:ext cx="3933306" cy="1208141"/>
+          </a:xfrm>
+        </p:spPr>
+        <p:txBody>
+          <a:bodyPr>
+            <a:normAutofit/>
+          </a:bodyPr>
+          <a:lstStyle/>
+          <a:p>
+            <a:pPr algn="l"/>
+            <a:r>
+              <a:rPr lang="en-US" sz="2000"/>
+              <a:t>05/08/2023</a:t>
+            </a:r>
+          </a:p>
+        </p:txBody>
+      </p:sp>
+      <p:pic>
+        <p:nvPicPr>
+          <p:cNvPr id="1026" name="Picture 2" descr="CDOT Shared Streets Feedback">
+            <a:extLst>
+              <a:ext uri="{FF2B5EF4-FFF2-40B4-BE49-F238E27FC236}">
+                <a16:creationId xmlns:a16="http://schemas.microsoft.com/office/drawing/2014/main" id="{A6F6C0C1-1D5D-F365-692E-86B853A5269E}"/>
+              </a:ext>
+            </a:extLst>
+          </p:cNvPr>
+          <p:cNvPicPr>
+            <a:picLocks noChangeAspect="1" noChangeArrowheads="1"/>
+          </p:cNvPicPr>
+          <p:nvPr/>
+        </p:nvPicPr>
+        <p:blipFill>
+          <a:blip r:embed="rId2">
+            <a:extLst>
+              <a:ext uri="{28A0092B-C50C-407E-A947-70E740481C1C}">
+                <a14:useLocalDpi xmlns:a14="http://schemas.microsoft.com/office/drawing/2010/main" val="0"/>
+              </a:ext>
+            </a:extLst>
+          </a:blip>
+          <a:stretch>
+            <a:fillRect/>
+          </a:stretch>
+        </p:blipFill>
+        <p:spPr bwMode="auto">
+          <a:xfrm>
+            <a:off x="5414356" y="2099156"/>
+            <a:ext cx="6408836" cy="2508435"/>
+          </a:xfrm>
+          <a:prstGeom prst="rect">
+            <a:avLst/>
+          </a:prstGeom>
+          <a:noFill/>
+          <a:extLst>
+            <a:ext uri="{909E8E84-426E-40DD-AFC4-6F175D3DCCD1}">
+              <a14:hiddenFill xmlns:a14="http://schemas.microsoft.com/office/drawing/2010/main">
+                <a:solidFill>
+                  <a:srgbClr val="FFFFFF"/>
+                </a:solidFill>
+              </a14:hiddenFill>
+            </a:ext>
+          </a:extLst>
+        </p:spPr>
+      </p:pic>
+    </p:spTree>
+    <p:extLst>
+      <p:ext uri="{BB962C8B-B14F-4D97-AF65-F5344CB8AC3E}">
+        <p14:creationId xmlns:p14="http://schemas.microsoft.com/office/powerpoint/2010/main" val="1519005100"/>
+      </p:ext>
+    </p:extLst>
+  </p:cSld>
+  <p:clrMapOvr>
+    <a:masterClrMapping/>
+  </p:clrMapOvr>
+</p:sld>
+</file>
+
+<file path=ppt/slides/slide14.xml><?xml version="1.0" encoding="utf-8"?>
+<p:sld xmlns:a="http://schemas.openxmlformats.org/drawingml/2006/main" xmlns:r="http://schemas.openxmlformats.org/officeDocument/2006/relationships" xmlns:p="http://schemas.openxmlformats.org/presentationml/2006/main">
+  <p:cSld>
+    <p:spTree>
+      <p:nvGrpSpPr>
+        <p:cNvPr id="1" name=""/>
+        <p:cNvGrpSpPr/>
+        <p:nvPr/>
+      </p:nvGrpSpPr>
+      <p:grpSpPr>
+        <a:xfrm>
+          <a:off x="0" y="0"/>
+          <a:ext cx="0" cy="0"/>
+          <a:chOff x="0" y="0"/>
+          <a:chExt cx="0" cy="0"/>
+        </a:xfrm>
+      </p:grpSpPr>
+      <p:sp>
+        <p:nvSpPr>
           <p:cNvPr id="4" name="Footer Placeholder 3">
             <a:extLst>
               <a:ext uri="{FF2B5EF4-FFF2-40B4-BE49-F238E27FC236}">
-                <a16:creationId xmlns:a16="http://schemas.microsoft.com/office/drawing/2014/main" id="{371089B8-E022-8006-E723-7CF1DDF4C78C}"/>
+                <a16:creationId xmlns:a16="http://schemas.microsoft.com/office/drawing/2014/main" id="{481BD79E-DB58-407F-87D6-B42E985F0EE1}"/>
               </a:ext>
             </a:extLst>
           </p:cNvPr>
@@ -6315,11 +7153,17 @@
             <p:ph type="ftr" sz="quarter" idx="11"/>
           </p:nvPr>
         </p:nvSpPr>
-        <p:spPr/>
+        <p:spPr>
+          <a:xfrm>
+            <a:off x="148053" y="6473796"/>
+            <a:ext cx="4114800" cy="365125"/>
+          </a:xfrm>
+        </p:spPr>
         <p:txBody>
           <a:bodyPr/>
           <a:lstStyle/>
           <a:p>
+            <a:pPr algn="l"/>
             <a:r>
               <a:rPr lang="en-US"/>
               <a:t>CHICAGO DOT CAR CRASHES ANALYSIS</a:t>
@@ -6327,6 +7171,537 @@
           </a:p>
         </p:txBody>
       </p:sp>
+      <p:grpSp>
+        <p:nvGrpSpPr>
+          <p:cNvPr id="12" name="Group 11">
+            <a:extLst>
+              <a:ext uri="{FF2B5EF4-FFF2-40B4-BE49-F238E27FC236}">
+                <a16:creationId xmlns:a16="http://schemas.microsoft.com/office/drawing/2014/main" id="{12A7430A-D8E2-42E6-B0E8-394BE98F5AEE}"/>
+              </a:ext>
+            </a:extLst>
+          </p:cNvPr>
+          <p:cNvGrpSpPr/>
+          <p:nvPr/>
+        </p:nvGrpSpPr>
+        <p:grpSpPr>
+          <a:xfrm>
+            <a:off x="175529" y="686308"/>
+            <a:ext cx="11845895" cy="5815626"/>
+            <a:chOff x="175529" y="468194"/>
+            <a:chExt cx="11845895" cy="5815626"/>
+          </a:xfrm>
+        </p:grpSpPr>
+        <p:cxnSp>
+          <p:nvCxnSpPr>
+            <p:cNvPr id="7" name="Straight Connector 6">
+              <a:extLst>
+                <a:ext uri="{FF2B5EF4-FFF2-40B4-BE49-F238E27FC236}">
+                  <a16:creationId xmlns:a16="http://schemas.microsoft.com/office/drawing/2014/main" id="{875D4D4E-1164-4C36-A979-52BE3853BA26}"/>
+                </a:ext>
+              </a:extLst>
+            </p:cNvPr>
+            <p:cNvCxnSpPr>
+              <a:cxnSpLocks/>
+            </p:cNvCxnSpPr>
+            <p:nvPr/>
+          </p:nvCxnSpPr>
+          <p:spPr>
+            <a:xfrm>
+              <a:off x="175529" y="6283820"/>
+              <a:ext cx="11828477" cy="0"/>
+            </a:xfrm>
+            <a:prstGeom prst="line">
+              <a:avLst/>
+            </a:prstGeom>
+          </p:spPr>
+          <p:style>
+            <a:lnRef idx="1">
+              <a:schemeClr val="dk1"/>
+            </a:lnRef>
+            <a:fillRef idx="0">
+              <a:schemeClr val="dk1"/>
+            </a:fillRef>
+            <a:effectRef idx="0">
+              <a:schemeClr val="dk1"/>
+            </a:effectRef>
+            <a:fontRef idx="minor">
+              <a:schemeClr val="tx1"/>
+            </a:fontRef>
+          </p:style>
+        </p:cxnSp>
+        <p:cxnSp>
+          <p:nvCxnSpPr>
+            <p:cNvPr id="11" name="Straight Connector 10">
+              <a:extLst>
+                <a:ext uri="{FF2B5EF4-FFF2-40B4-BE49-F238E27FC236}">
+                  <a16:creationId xmlns:a16="http://schemas.microsoft.com/office/drawing/2014/main" id="{9068A5B3-63DA-4658-A3C2-AB3C5E713370}"/>
+                </a:ext>
+              </a:extLst>
+            </p:cNvPr>
+            <p:cNvCxnSpPr>
+              <a:cxnSpLocks/>
+            </p:cNvCxnSpPr>
+            <p:nvPr/>
+          </p:nvCxnSpPr>
+          <p:spPr>
+            <a:xfrm>
+              <a:off x="192947" y="468194"/>
+              <a:ext cx="11828477" cy="0"/>
+            </a:xfrm>
+            <a:prstGeom prst="line">
+              <a:avLst/>
+            </a:prstGeom>
+          </p:spPr>
+          <p:style>
+            <a:lnRef idx="1">
+              <a:schemeClr val="dk1"/>
+            </a:lnRef>
+            <a:fillRef idx="0">
+              <a:schemeClr val="dk1"/>
+            </a:fillRef>
+            <a:effectRef idx="0">
+              <a:schemeClr val="dk1"/>
+            </a:effectRef>
+            <a:fontRef idx="minor">
+              <a:schemeClr val="tx1"/>
+            </a:fontRef>
+          </p:style>
+        </p:cxnSp>
+      </p:grpSp>
+      <p:sp>
+        <p:nvSpPr>
+          <p:cNvPr id="8" name="Title 1">
+            <a:extLst>
+              <a:ext uri="{FF2B5EF4-FFF2-40B4-BE49-F238E27FC236}">
+                <a16:creationId xmlns:a16="http://schemas.microsoft.com/office/drawing/2014/main" id="{81AA59FD-25F1-4B46-82FA-D0959E0AF7FF}"/>
+              </a:ext>
+            </a:extLst>
+          </p:cNvPr>
+          <p:cNvSpPr>
+            <a:spLocks noGrp="1"/>
+          </p:cNvSpPr>
+          <p:nvPr>
+            <p:ph type="title"/>
+          </p:nvPr>
+        </p:nvSpPr>
+        <p:spPr>
+          <a:xfrm>
+            <a:off x="148052" y="76969"/>
+            <a:ext cx="8957447" cy="539847"/>
+          </a:xfrm>
+        </p:spPr>
+        <p:txBody>
+          <a:bodyPr>
+            <a:normAutofit/>
+          </a:bodyPr>
+          <a:lstStyle/>
+          <a:p>
+            <a:endParaRPr lang="en-US" sz="3200" b="1" dirty="0"/>
+          </a:p>
+        </p:txBody>
+      </p:sp>
+      <p:sp>
+        <p:nvSpPr>
+          <p:cNvPr id="3" name="Slide Number Placeholder 2">
+            <a:extLst>
+              <a:ext uri="{FF2B5EF4-FFF2-40B4-BE49-F238E27FC236}">
+                <a16:creationId xmlns:a16="http://schemas.microsoft.com/office/drawing/2014/main" id="{88E8A81B-46D5-4424-81D5-443C1E59DF5A}"/>
+              </a:ext>
+            </a:extLst>
+          </p:cNvPr>
+          <p:cNvSpPr>
+            <a:spLocks noGrp="1"/>
+          </p:cNvSpPr>
+          <p:nvPr>
+            <p:ph type="sldNum" sz="quarter" idx="12"/>
+          </p:nvPr>
+        </p:nvSpPr>
+        <p:spPr>
+          <a:xfrm>
+            <a:off x="8610600" y="6491101"/>
+            <a:ext cx="2743200" cy="365125"/>
+          </a:xfrm>
+        </p:spPr>
+        <p:txBody>
+          <a:bodyPr/>
+          <a:lstStyle/>
+          <a:p>
+            <a:fld id="{A2335344-E137-4E37-AA49-325239A09CBE}" type="slidenum">
+              <a:rPr lang="en-US" smtClean="0"/>
+              <a:t>14</a:t>
+            </a:fld>
+            <a:endParaRPr lang="en-US"/>
+          </a:p>
+        </p:txBody>
+      </p:sp>
+      <p:sp>
+        <p:nvSpPr>
+          <p:cNvPr id="9" name="Rectangle 8">
+            <a:extLst>
+              <a:ext uri="{FF2B5EF4-FFF2-40B4-BE49-F238E27FC236}">
+                <a16:creationId xmlns:a16="http://schemas.microsoft.com/office/drawing/2014/main" id="{E32F1953-CF09-76C5-2A9E-F75AA4BD20E3}"/>
+              </a:ext>
+            </a:extLst>
+          </p:cNvPr>
+          <p:cNvSpPr/>
+          <p:nvPr/>
+        </p:nvSpPr>
+        <p:spPr>
+          <a:xfrm>
+            <a:off x="3500963" y="2409194"/>
+            <a:ext cx="5190075" cy="1862048"/>
+          </a:xfrm>
+          <a:prstGeom prst="rect">
+            <a:avLst/>
+          </a:prstGeom>
+          <a:noFill/>
+        </p:spPr>
+        <p:txBody>
+          <a:bodyPr wrap="none" lIns="91440" tIns="45720" rIns="91440" bIns="45720">
+            <a:spAutoFit/>
+          </a:bodyPr>
+          <a:lstStyle/>
+          <a:p>
+            <a:pPr algn="ctr"/>
+            <a:r>
+              <a:rPr lang="en-US" sz="11500" b="1" cap="none" spc="0" dirty="0">
+                <a:ln w="9525">
+                  <a:solidFill>
+                    <a:schemeClr val="bg1"/>
+                  </a:solidFill>
+                  <a:prstDash val="solid"/>
+                </a:ln>
+                <a:solidFill>
+                  <a:schemeClr val="tx1"/>
+                </a:solidFill>
+                <a:effectLst>
+                  <a:outerShdw blurRad="12700" dist="38100" dir="2700000" algn="tl" rotWithShape="0">
+                    <a:schemeClr val="bg1">
+                      <a:lumMod val="50000"/>
+                    </a:schemeClr>
+                  </a:outerShdw>
+                </a:effectLst>
+              </a:rPr>
+              <a:t>BACKUP</a:t>
+            </a:r>
+          </a:p>
+        </p:txBody>
+      </p:sp>
+    </p:spTree>
+    <p:extLst>
+      <p:ext uri="{BB962C8B-B14F-4D97-AF65-F5344CB8AC3E}">
+        <p14:creationId xmlns:p14="http://schemas.microsoft.com/office/powerpoint/2010/main" val="3033179422"/>
+      </p:ext>
+    </p:extLst>
+  </p:cSld>
+  <p:clrMapOvr>
+    <a:masterClrMapping/>
+  </p:clrMapOvr>
+</p:sld>
+</file>
+
+<file path=ppt/slides/slide15.xml><?xml version="1.0" encoding="utf-8"?>
+<p:sld xmlns:a="http://schemas.openxmlformats.org/drawingml/2006/main" xmlns:r="http://schemas.openxmlformats.org/officeDocument/2006/relationships" xmlns:p="http://schemas.openxmlformats.org/presentationml/2006/main">
+  <p:cSld>
+    <p:spTree>
+      <p:nvGrpSpPr>
+        <p:cNvPr id="1" name=""/>
+        <p:cNvGrpSpPr/>
+        <p:nvPr/>
+      </p:nvGrpSpPr>
+      <p:grpSpPr>
+        <a:xfrm>
+          <a:off x="0" y="0"/>
+          <a:ext cx="0" cy="0"/>
+          <a:chOff x="0" y="0"/>
+          <a:chExt cx="0" cy="0"/>
+        </a:xfrm>
+      </p:grpSpPr>
+      <p:sp>
+        <p:nvSpPr>
+          <p:cNvPr id="4" name="Footer Placeholder 3">
+            <a:extLst>
+              <a:ext uri="{FF2B5EF4-FFF2-40B4-BE49-F238E27FC236}">
+                <a16:creationId xmlns:a16="http://schemas.microsoft.com/office/drawing/2014/main" id="{481BD79E-DB58-407F-87D6-B42E985F0EE1}"/>
+              </a:ext>
+            </a:extLst>
+          </p:cNvPr>
+          <p:cNvSpPr>
+            <a:spLocks noGrp="1"/>
+          </p:cNvSpPr>
+          <p:nvPr>
+            <p:ph type="ftr" sz="quarter" idx="11"/>
+          </p:nvPr>
+        </p:nvSpPr>
+        <p:spPr>
+          <a:xfrm>
+            <a:off x="148053" y="6473796"/>
+            <a:ext cx="4114800" cy="365125"/>
+          </a:xfrm>
+        </p:spPr>
+        <p:txBody>
+          <a:bodyPr/>
+          <a:lstStyle/>
+          <a:p>
+            <a:pPr algn="l"/>
+            <a:r>
+              <a:rPr lang="en-US"/>
+              <a:t>CHICAGO DOT CAR CRASHES ANALYSIS</a:t>
+            </a:r>
+          </a:p>
+        </p:txBody>
+      </p:sp>
+      <p:grpSp>
+        <p:nvGrpSpPr>
+          <p:cNvPr id="12" name="Group 11">
+            <a:extLst>
+              <a:ext uri="{FF2B5EF4-FFF2-40B4-BE49-F238E27FC236}">
+                <a16:creationId xmlns:a16="http://schemas.microsoft.com/office/drawing/2014/main" id="{12A7430A-D8E2-42E6-B0E8-394BE98F5AEE}"/>
+              </a:ext>
+            </a:extLst>
+          </p:cNvPr>
+          <p:cNvGrpSpPr/>
+          <p:nvPr/>
+        </p:nvGrpSpPr>
+        <p:grpSpPr>
+          <a:xfrm>
+            <a:off x="175529" y="686308"/>
+            <a:ext cx="11845895" cy="5815626"/>
+            <a:chOff x="175529" y="468194"/>
+            <a:chExt cx="11845895" cy="5815626"/>
+          </a:xfrm>
+        </p:grpSpPr>
+        <p:cxnSp>
+          <p:nvCxnSpPr>
+            <p:cNvPr id="7" name="Straight Connector 6">
+              <a:extLst>
+                <a:ext uri="{FF2B5EF4-FFF2-40B4-BE49-F238E27FC236}">
+                  <a16:creationId xmlns:a16="http://schemas.microsoft.com/office/drawing/2014/main" id="{875D4D4E-1164-4C36-A979-52BE3853BA26}"/>
+                </a:ext>
+              </a:extLst>
+            </p:cNvPr>
+            <p:cNvCxnSpPr>
+              <a:cxnSpLocks/>
+            </p:cNvCxnSpPr>
+            <p:nvPr/>
+          </p:nvCxnSpPr>
+          <p:spPr>
+            <a:xfrm>
+              <a:off x="175529" y="6283820"/>
+              <a:ext cx="11828477" cy="0"/>
+            </a:xfrm>
+            <a:prstGeom prst="line">
+              <a:avLst/>
+            </a:prstGeom>
+          </p:spPr>
+          <p:style>
+            <a:lnRef idx="1">
+              <a:schemeClr val="dk1"/>
+            </a:lnRef>
+            <a:fillRef idx="0">
+              <a:schemeClr val="dk1"/>
+            </a:fillRef>
+            <a:effectRef idx="0">
+              <a:schemeClr val="dk1"/>
+            </a:effectRef>
+            <a:fontRef idx="minor">
+              <a:schemeClr val="tx1"/>
+            </a:fontRef>
+          </p:style>
+        </p:cxnSp>
+        <p:cxnSp>
+          <p:nvCxnSpPr>
+            <p:cNvPr id="11" name="Straight Connector 10">
+              <a:extLst>
+                <a:ext uri="{FF2B5EF4-FFF2-40B4-BE49-F238E27FC236}">
+                  <a16:creationId xmlns:a16="http://schemas.microsoft.com/office/drawing/2014/main" id="{9068A5B3-63DA-4658-A3C2-AB3C5E713370}"/>
+                </a:ext>
+              </a:extLst>
+            </p:cNvPr>
+            <p:cNvCxnSpPr>
+              <a:cxnSpLocks/>
+            </p:cNvCxnSpPr>
+            <p:nvPr/>
+          </p:nvCxnSpPr>
+          <p:spPr>
+            <a:xfrm>
+              <a:off x="192947" y="468194"/>
+              <a:ext cx="11828477" cy="0"/>
+            </a:xfrm>
+            <a:prstGeom prst="line">
+              <a:avLst/>
+            </a:prstGeom>
+          </p:spPr>
+          <p:style>
+            <a:lnRef idx="1">
+              <a:schemeClr val="dk1"/>
+            </a:lnRef>
+            <a:fillRef idx="0">
+              <a:schemeClr val="dk1"/>
+            </a:fillRef>
+            <a:effectRef idx="0">
+              <a:schemeClr val="dk1"/>
+            </a:effectRef>
+            <a:fontRef idx="minor">
+              <a:schemeClr val="tx1"/>
+            </a:fontRef>
+          </p:style>
+        </p:cxnSp>
+      </p:grpSp>
+      <p:sp>
+        <p:nvSpPr>
+          <p:cNvPr id="8" name="Title 1">
+            <a:extLst>
+              <a:ext uri="{FF2B5EF4-FFF2-40B4-BE49-F238E27FC236}">
+                <a16:creationId xmlns:a16="http://schemas.microsoft.com/office/drawing/2014/main" id="{81AA59FD-25F1-4B46-82FA-D0959E0AF7FF}"/>
+              </a:ext>
+            </a:extLst>
+          </p:cNvPr>
+          <p:cNvSpPr>
+            <a:spLocks noGrp="1"/>
+          </p:cNvSpPr>
+          <p:nvPr>
+            <p:ph type="title"/>
+          </p:nvPr>
+        </p:nvSpPr>
+        <p:spPr>
+          <a:xfrm>
+            <a:off x="148052" y="76969"/>
+            <a:ext cx="8957447" cy="539847"/>
+          </a:xfrm>
+        </p:spPr>
+        <p:txBody>
+          <a:bodyPr>
+            <a:normAutofit/>
+          </a:bodyPr>
+          <a:lstStyle/>
+          <a:p>
+            <a:endParaRPr lang="en-US" sz="3200" b="1" dirty="0"/>
+          </a:p>
+        </p:txBody>
+      </p:sp>
+      <p:sp>
+        <p:nvSpPr>
+          <p:cNvPr id="3" name="Slide Number Placeholder 2">
+            <a:extLst>
+              <a:ext uri="{FF2B5EF4-FFF2-40B4-BE49-F238E27FC236}">
+                <a16:creationId xmlns:a16="http://schemas.microsoft.com/office/drawing/2014/main" id="{88E8A81B-46D5-4424-81D5-443C1E59DF5A}"/>
+              </a:ext>
+            </a:extLst>
+          </p:cNvPr>
+          <p:cNvSpPr>
+            <a:spLocks noGrp="1"/>
+          </p:cNvSpPr>
+          <p:nvPr>
+            <p:ph type="sldNum" sz="quarter" idx="12"/>
+          </p:nvPr>
+        </p:nvSpPr>
+        <p:spPr>
+          <a:xfrm>
+            <a:off x="8610600" y="6491101"/>
+            <a:ext cx="2743200" cy="365125"/>
+          </a:xfrm>
+        </p:spPr>
+        <p:txBody>
+          <a:bodyPr/>
+          <a:lstStyle/>
+          <a:p>
+            <a:fld id="{A2335344-E137-4E37-AA49-325239A09CBE}" type="slidenum">
+              <a:rPr lang="en-US" smtClean="0"/>
+              <a:t>15</a:t>
+            </a:fld>
+            <a:endParaRPr lang="en-US"/>
+          </a:p>
+        </p:txBody>
+      </p:sp>
+      <p:pic>
+        <p:nvPicPr>
+          <p:cNvPr id="10" name="Picture 9">
+            <a:extLst>
+              <a:ext uri="{FF2B5EF4-FFF2-40B4-BE49-F238E27FC236}">
+                <a16:creationId xmlns:a16="http://schemas.microsoft.com/office/drawing/2014/main" id="{AABFB02F-69DA-3D4D-1548-4C5FCF3B7B18}"/>
+              </a:ext>
+            </a:extLst>
+          </p:cNvPr>
+          <p:cNvPicPr>
+            <a:picLocks noChangeAspect="1"/>
+          </p:cNvPicPr>
+          <p:nvPr/>
+        </p:nvPicPr>
+        <p:blipFill>
+          <a:blip r:embed="rId3"/>
+          <a:stretch>
+            <a:fillRect/>
+          </a:stretch>
+        </p:blipFill>
+        <p:spPr>
+          <a:xfrm>
+            <a:off x="3794496" y="1256309"/>
+            <a:ext cx="4318000" cy="4508500"/>
+          </a:xfrm>
+          <a:prstGeom prst="rect">
+            <a:avLst/>
+          </a:prstGeom>
+        </p:spPr>
+      </p:pic>
+    </p:spTree>
+    <p:extLst>
+      <p:ext uri="{BB962C8B-B14F-4D97-AF65-F5344CB8AC3E}">
+        <p14:creationId xmlns:p14="http://schemas.microsoft.com/office/powerpoint/2010/main" val="3390403155"/>
+      </p:ext>
+    </p:extLst>
+  </p:cSld>
+  <p:clrMapOvr>
+    <a:masterClrMapping/>
+  </p:clrMapOvr>
+</p:sld>
+</file>
+
+<file path=ppt/slides/slide16.xml><?xml version="1.0" encoding="utf-8"?>
+<p:sld xmlns:a="http://schemas.openxmlformats.org/drawingml/2006/main" xmlns:r="http://schemas.openxmlformats.org/officeDocument/2006/relationships" xmlns:p="http://schemas.openxmlformats.org/presentationml/2006/main">
+  <p:cSld>
+    <p:spTree>
+      <p:nvGrpSpPr>
+        <p:cNvPr id="1" name=""/>
+        <p:cNvGrpSpPr/>
+        <p:nvPr/>
+      </p:nvGrpSpPr>
+      <p:grpSpPr>
+        <a:xfrm>
+          <a:off x="0" y="0"/>
+          <a:ext cx="0" cy="0"/>
+          <a:chOff x="0" y="0"/>
+          <a:chExt cx="0" cy="0"/>
+        </a:xfrm>
+      </p:grpSpPr>
+      <p:sp>
+        <p:nvSpPr>
+          <p:cNvPr id="4" name="Footer Placeholder 3">
+            <a:extLst>
+              <a:ext uri="{FF2B5EF4-FFF2-40B4-BE49-F238E27FC236}">
+                <a16:creationId xmlns:a16="http://schemas.microsoft.com/office/drawing/2014/main" id="{371089B8-E022-8006-E723-7CF1DDF4C78C}"/>
+              </a:ext>
+            </a:extLst>
+          </p:cNvPr>
+          <p:cNvSpPr>
+            <a:spLocks noGrp="1"/>
+          </p:cNvSpPr>
+          <p:nvPr>
+            <p:ph type="ftr" sz="quarter" idx="11"/>
+          </p:nvPr>
+        </p:nvSpPr>
+        <p:spPr/>
+        <p:txBody>
+          <a:bodyPr/>
+          <a:lstStyle/>
+          <a:p>
+            <a:r>
+              <a:rPr lang="en-US"/>
+              <a:t>CHICAGO DOT CAR CRASHES ANALYSIS</a:t>
+            </a:r>
+          </a:p>
+        </p:txBody>
+      </p:sp>
       <p:sp>
         <p:nvSpPr>
           <p:cNvPr id="5" name="Slide Number Placeholder 4">
@@ -6350,7 +7725,7 @@
           <a:p>
             <a:fld id="{98606FBD-9CC1-6641-A2DE-B6848E5E4AAE}" type="slidenum">
               <a:rPr lang="en-US" smtClean="0"/>
-              <a:t>13</a:t>
+              <a:t>16</a:t>
             </a:fld>
             <a:endParaRPr lang="en-US"/>
           </a:p>
@@ -7617,7 +8992,7 @@
                   </a:outerShdw>
                 </a:effectLst>
               </a:rPr>
-              <a:t>PREDIT CAUSES OF CRASHES</a:t>
+              <a:t>PREDICT CAUSES OF CRASHES</a:t>
             </a:r>
           </a:p>
         </p:txBody>
@@ -7732,11 +9107,6 @@
             <a:pPr algn="ctr"/>
             <a:r>
               <a:rPr lang="en-US" b="1" dirty="0">
-                <a:ln>
-                  <a:solidFill>
-                    <a:sysClr val="windowText" lastClr="000000"/>
-                  </a:solidFill>
-                </a:ln>
                 <a:solidFill>
                   <a:schemeClr val="tx1"/>
                 </a:solidFill>
@@ -7804,6 +9174,100 @@
               </a:rPr>
               <a:t>MULTI-FACTOR ANALYSIS DOES NOT EXIST</a:t>
             </a:r>
+          </a:p>
+        </p:txBody>
+      </p:sp>
+      <p:sp>
+        <p:nvSpPr>
+          <p:cNvPr id="23" name="Rectangle 22">
+            <a:extLst>
+              <a:ext uri="{FF2B5EF4-FFF2-40B4-BE49-F238E27FC236}">
+                <a16:creationId xmlns:a16="http://schemas.microsoft.com/office/drawing/2014/main" id="{D99E2AF8-6CF1-DF07-9EC5-EFE1E9167B6B}"/>
+              </a:ext>
+            </a:extLst>
+          </p:cNvPr>
+          <p:cNvSpPr/>
+          <p:nvPr/>
+        </p:nvSpPr>
+        <p:spPr>
+          <a:xfrm>
+            <a:off x="622970" y="5477145"/>
+            <a:ext cx="7632658" cy="954107"/>
+          </a:xfrm>
+          <a:prstGeom prst="rect">
+            <a:avLst/>
+          </a:prstGeom>
+          <a:noFill/>
+          <a:ln w="38100">
+            <a:solidFill>
+              <a:srgbClr val="FF0000"/>
+            </a:solidFill>
+          </a:ln>
+        </p:spPr>
+        <p:txBody>
+          <a:bodyPr wrap="square" lIns="91440" tIns="45720" rIns="91440" bIns="45720">
+            <a:spAutoFit/>
+          </a:bodyPr>
+          <a:lstStyle/>
+          <a:p>
+            <a:pPr algn="ctr"/>
+            <a:r>
+              <a:rPr lang="en-US" sz="2800" b="0" cap="none" spc="0" dirty="0">
+                <a:ln w="0">
+                  <a:solidFill>
+                    <a:sysClr val="windowText" lastClr="000000"/>
+                  </a:solidFill>
+                </a:ln>
+                <a:solidFill>
+                  <a:srgbClr val="FF0000"/>
+                </a:solidFill>
+                <a:effectLst>
+                  <a:outerShdw blurRad="38100" dist="19050" dir="2700000" algn="tl" rotWithShape="0">
+                    <a:schemeClr val="dk1">
+                      <a:alpha val="40000"/>
+                    </a:schemeClr>
+                  </a:outerShdw>
+                </a:effectLst>
+              </a:rPr>
+              <a:t>PREDICT UNABLE TO DETERMINE CAUSES AND UNDERSTAND THE FACT</a:t>
+            </a:r>
+            <a:r>
+              <a:rPr lang="en-US" sz="2800" dirty="0">
+                <a:ln w="0">
+                  <a:solidFill>
+                    <a:sysClr val="windowText" lastClr="000000"/>
+                  </a:solidFill>
+                </a:ln>
+                <a:solidFill>
+                  <a:srgbClr val="FF0000"/>
+                </a:solidFill>
+                <a:effectLst>
+                  <a:outerShdw blurRad="38100" dist="19050" dir="2700000" algn="tl" rotWithShape="0">
+                    <a:schemeClr val="dk1">
+                      <a:alpha val="40000"/>
+                    </a:schemeClr>
+                  </a:outerShdw>
+                </a:effectLst>
+              </a:rPr>
+              <a:t>ORS BEHIND IT</a:t>
+            </a:r>
+            <a:endParaRPr lang="en-US" sz="2800" b="0" cap="none" spc="0" dirty="0">
+              <a:ln w="0">
+                <a:solidFill>
+                  <a:sysClr val="windowText" lastClr="000000"/>
+                </a:solidFill>
+              </a:ln>
+              <a:solidFill>
+                <a:srgbClr val="FF0000"/>
+              </a:solidFill>
+              <a:effectLst>
+                <a:outerShdw blurRad="38100" dist="19050" dir="2700000" algn="tl" rotWithShape="0">
+                  <a:schemeClr val="dk1">
+                    <a:alpha val="40000"/>
+                  </a:schemeClr>
+                </a:outerShdw>
+              </a:effectLst>
+            </a:endParaRPr>
           </a:p>
         </p:txBody>
       </p:sp>
@@ -8890,8 +10354,12 @@
           <a:lstStyle/>
           <a:p>
             <a:r>
+              <a:rPr lang="en-US" sz="4000" b="1"/>
+              <a:t>MODELING </a:t>
+            </a:r>
+            <a:r>
               <a:rPr lang="en-US" sz="4000" b="1" dirty="0"/>
-              <a:t>MODELLING RESULTS</a:t>
+              <a:t>RESULTS</a:t>
             </a:r>
           </a:p>
         </p:txBody>
@@ -9996,7 +11464,7 @@
         </p:blipFill>
         <p:spPr bwMode="auto">
           <a:xfrm>
-            <a:off x="617520" y="3968545"/>
+            <a:off x="6296172" y="1153363"/>
             <a:ext cx="1802864" cy="1802864"/>
           </a:xfrm>
           <a:prstGeom prst="rect">
@@ -10043,7 +11511,7 @@
         </p:blipFill>
         <p:spPr bwMode="auto">
           <a:xfrm>
-            <a:off x="6116791" y="877441"/>
+            <a:off x="225928" y="3686837"/>
             <a:ext cx="2314695" cy="2314695"/>
           </a:xfrm>
           <a:prstGeom prst="rect">
@@ -10966,18 +12434,18 @@
         <p:spPr>
           <a:xfrm>
             <a:off x="148052" y="76969"/>
-            <a:ext cx="8957447" cy="539847"/>
+            <a:ext cx="10717870" cy="539847"/>
           </a:xfrm>
         </p:spPr>
         <p:txBody>
           <a:bodyPr>
-            <a:normAutofit/>
+            <a:noAutofit/>
           </a:bodyPr>
           <a:lstStyle/>
           <a:p>
             <a:r>
-              <a:rPr lang="en-US" sz="3200" b="1" dirty="0"/>
-              <a:t>IMPROVEMENTS</a:t>
+              <a:rPr lang="en-US" sz="4000" b="1" dirty="0"/>
+              <a:t>TOP FACTORS RESULTS – LAT/LONG COMPARISON</a:t>
             </a:r>
           </a:p>
         </p:txBody>
@@ -11016,84 +12484,264 @@
           </a:p>
         </p:txBody>
       </p:sp>
-      <p:sp>
-        <p:nvSpPr>
-          <p:cNvPr id="5" name="Rectangle 4">
-            <a:extLst>
-              <a:ext uri="{FF2B5EF4-FFF2-40B4-BE49-F238E27FC236}">
-                <a16:creationId xmlns:a16="http://schemas.microsoft.com/office/drawing/2014/main" id="{B612520D-DB9A-3E92-959F-F491541972C9}"/>
-              </a:ext>
-            </a:extLst>
-          </p:cNvPr>
-          <p:cNvSpPr/>
+      <p:pic>
+        <p:nvPicPr>
+          <p:cNvPr id="10" name="Picture 9" descr="A picture containing map, text, diagram, screenshot&#10;&#10;Description automatically generated">
+            <a:extLst>
+              <a:ext uri="{FF2B5EF4-FFF2-40B4-BE49-F238E27FC236}">
+                <a16:creationId xmlns:a16="http://schemas.microsoft.com/office/drawing/2014/main" id="{23A6E386-A1F3-319A-A2CB-681C4D9F5EA8}"/>
+              </a:ext>
+            </a:extLst>
+          </p:cNvPr>
+          <p:cNvPicPr>
+            <a:picLocks noChangeAspect="1"/>
+          </p:cNvPicPr>
           <p:nvPr/>
-        </p:nvSpPr>
+        </p:nvPicPr>
+        <p:blipFill>
+          <a:blip r:embed="rId3"/>
+          <a:stretch>
+            <a:fillRect/>
+          </a:stretch>
+        </p:blipFill>
         <p:spPr>
           <a:xfrm>
-            <a:off x="616017" y="902407"/>
-            <a:ext cx="10972799" cy="5399838"/>
+            <a:off x="6107185" y="715861"/>
+            <a:ext cx="5920471" cy="2713139"/>
           </a:xfrm>
           <a:prstGeom prst="rect">
             <a:avLst/>
           </a:prstGeom>
-        </p:spPr>
-        <p:txBody>
-          <a:bodyPr lIns="91440" tIns="45720" rIns="91440" bIns="45720" anchor="t"/>
-          <a:lstStyle/>
-          <a:p>
-            <a:pPr lvl="0" indent="239395">
-              <a:lnSpc>
-                <a:spcPct val="200000"/>
-              </a:lnSpc>
+          <a:ln>
+            <a:solidFill>
+              <a:schemeClr val="tx1"/>
+            </a:solidFill>
+          </a:ln>
+        </p:spPr>
+      </p:pic>
+      <p:pic>
+        <p:nvPicPr>
+          <p:cNvPr id="14" name="Picture 13" descr="A picture containing text, map, diagram, plot&#10;&#10;Description automatically generated">
+            <a:extLst>
+              <a:ext uri="{FF2B5EF4-FFF2-40B4-BE49-F238E27FC236}">
+                <a16:creationId xmlns:a16="http://schemas.microsoft.com/office/drawing/2014/main" id="{B24F005F-5EE0-4B11-19AB-CCEF7B2C344E}"/>
+              </a:ext>
+            </a:extLst>
+          </p:cNvPr>
+          <p:cNvPicPr>
+            <a:picLocks noChangeAspect="1"/>
+          </p:cNvPicPr>
+          <p:nvPr/>
+        </p:nvPicPr>
+        <p:blipFill>
+          <a:blip r:embed="rId4"/>
+          <a:stretch>
+            <a:fillRect/>
+          </a:stretch>
+        </p:blipFill>
+        <p:spPr>
+          <a:xfrm>
+            <a:off x="6107875" y="3457138"/>
+            <a:ext cx="5936072" cy="3009171"/>
+          </a:xfrm>
+          <a:prstGeom prst="rect">
+            <a:avLst/>
+          </a:prstGeom>
+          <a:ln>
+            <a:solidFill>
+              <a:schemeClr val="tx1"/>
+            </a:solidFill>
+          </a:ln>
+        </p:spPr>
+      </p:pic>
+      <p:sp>
+        <p:nvSpPr>
+          <p:cNvPr id="16" name="Striped Right Arrow 15">
+            <a:extLst>
+              <a:ext uri="{FF2B5EF4-FFF2-40B4-BE49-F238E27FC236}">
+                <a16:creationId xmlns:a16="http://schemas.microsoft.com/office/drawing/2014/main" id="{73C0A7DC-0D09-C51F-8E60-B07C5174C372}"/>
+              </a:ext>
+            </a:extLst>
+          </p:cNvPr>
+          <p:cNvSpPr/>
+          <p:nvPr/>
+        </p:nvSpPr>
+        <p:spPr>
+          <a:xfrm>
+            <a:off x="4279199" y="1478663"/>
+            <a:ext cx="1827986" cy="1187533"/>
+          </a:xfrm>
+          <a:prstGeom prst="stripedRightArrow">
+            <a:avLst/>
+          </a:prstGeom>
+          <a:solidFill>
+            <a:schemeClr val="accent3"/>
+          </a:solidFill>
+          <a:ln>
+            <a:solidFill>
+              <a:schemeClr val="tx1"/>
+            </a:solidFill>
+          </a:ln>
+        </p:spPr>
+        <p:style>
+          <a:lnRef idx="2">
+            <a:schemeClr val="accent1">
+              <a:shade val="50000"/>
+            </a:schemeClr>
+          </a:lnRef>
+          <a:fillRef idx="1">
+            <a:schemeClr val="accent1"/>
+          </a:fillRef>
+          <a:effectRef idx="0">
+            <a:schemeClr val="accent1"/>
+          </a:effectRef>
+          <a:fontRef idx="minor">
+            <a:schemeClr val="lt1"/>
+          </a:fontRef>
+        </p:style>
+        <p:txBody>
+          <a:bodyPr rtlCol="0" anchor="ctr"/>
+          <a:lstStyle/>
+          <a:p>
+            <a:pPr algn="ctr"/>
+            <a:r>
+              <a:rPr lang="en-US" dirty="0"/>
+              <a:t>TRAINING</a:t>
+            </a:r>
+          </a:p>
+        </p:txBody>
+      </p:sp>
+      <p:sp>
+        <p:nvSpPr>
+          <p:cNvPr id="27" name="Striped Right Arrow 26">
+            <a:extLst>
+              <a:ext uri="{FF2B5EF4-FFF2-40B4-BE49-F238E27FC236}">
+                <a16:creationId xmlns:a16="http://schemas.microsoft.com/office/drawing/2014/main" id="{14FBCCF9-437C-E7A9-FB65-8638BB8FCBCA}"/>
+              </a:ext>
+            </a:extLst>
+          </p:cNvPr>
+          <p:cNvSpPr/>
+          <p:nvPr/>
+        </p:nvSpPr>
+        <p:spPr>
+          <a:xfrm>
+            <a:off x="4279199" y="4367956"/>
+            <a:ext cx="1827986" cy="1187533"/>
+          </a:xfrm>
+          <a:prstGeom prst="stripedRightArrow">
+            <a:avLst/>
+          </a:prstGeom>
+          <a:solidFill>
+            <a:schemeClr val="accent3"/>
+          </a:solidFill>
+          <a:ln>
+            <a:solidFill>
+              <a:schemeClr val="tx1"/>
+            </a:solidFill>
+          </a:ln>
+        </p:spPr>
+        <p:style>
+          <a:lnRef idx="2">
+            <a:schemeClr val="accent1">
+              <a:shade val="50000"/>
+            </a:schemeClr>
+          </a:lnRef>
+          <a:fillRef idx="1">
+            <a:schemeClr val="accent1"/>
+          </a:fillRef>
+          <a:effectRef idx="0">
+            <a:schemeClr val="accent1"/>
+          </a:effectRef>
+          <a:fontRef idx="minor">
+            <a:schemeClr val="lt1"/>
+          </a:fontRef>
+        </p:style>
+        <p:txBody>
+          <a:bodyPr rtlCol="0" anchor="ctr"/>
+          <a:lstStyle/>
+          <a:p>
+            <a:pPr algn="ctr"/>
+            <a:r>
+              <a:rPr lang="en-US" dirty="0"/>
+              <a:t>PREDICTED</a:t>
+            </a:r>
+          </a:p>
+        </p:txBody>
+      </p:sp>
+      <p:sp>
+        <p:nvSpPr>
+          <p:cNvPr id="28" name="TextBox 27">
+            <a:extLst>
+              <a:ext uri="{FF2B5EF4-FFF2-40B4-BE49-F238E27FC236}">
+                <a16:creationId xmlns:a16="http://schemas.microsoft.com/office/drawing/2014/main" id="{301F5EA5-9FC8-0CA9-0CDC-833CEA3B3738}"/>
+              </a:ext>
+            </a:extLst>
+          </p:cNvPr>
+          <p:cNvSpPr txBox="1"/>
+          <p:nvPr/>
+        </p:nvSpPr>
+        <p:spPr>
+          <a:xfrm>
+            <a:off x="240281" y="2391144"/>
+            <a:ext cx="3930344" cy="2308324"/>
+          </a:xfrm>
+          <a:prstGeom prst="rect">
+            <a:avLst/>
+          </a:prstGeom>
+          <a:noFill/>
+          <a:ln w="38100">
+            <a:solidFill>
+              <a:srgbClr val="FF0000"/>
+            </a:solidFill>
+          </a:ln>
+        </p:spPr>
+        <p:txBody>
+          <a:bodyPr wrap="square" rtlCol="0">
+            <a:spAutoFit/>
+          </a:bodyPr>
+          <a:lstStyle/>
+          <a:p>
+            <a:pPr marL="285750" indent="-285750">
+              <a:buFont typeface="Arial" panose="020B0604020202020204" pitchFamily="34" charset="0"/>
               <a:buChar char="•"/>
             </a:pPr>
             <a:r>
-              <a:rPr lang="en-US" sz="2800" dirty="0">
-                <a:cs typeface="Calibri"/>
-              </a:rPr>
-              <a:t>Higher Granularity</a:t>
-            </a:r>
-          </a:p>
-          <a:p>
-            <a:pPr lvl="0" indent="239395">
-              <a:lnSpc>
-                <a:spcPct val="200000"/>
-              </a:lnSpc>
+              <a:rPr lang="en-US" dirty="0"/>
+              <a:t>Similar Trend</a:t>
+            </a:r>
+          </a:p>
+          <a:p>
+            <a:pPr marL="285750" indent="-285750">
+              <a:buFont typeface="Arial" panose="020B0604020202020204" pitchFamily="34" charset="0"/>
               <a:buChar char="•"/>
             </a:pPr>
-            <a:r>
-              <a:rPr lang="en-US" sz="2800" dirty="0">
-                <a:cs typeface="Calibri"/>
-              </a:rPr>
-              <a:t>Increased Model Iterations</a:t>
-            </a:r>
-          </a:p>
-          <a:p>
-            <a:pPr lvl="0" indent="239395">
-              <a:lnSpc>
-                <a:spcPct val="200000"/>
-              </a:lnSpc>
+            <a:endParaRPr lang="en-US" dirty="0"/>
+          </a:p>
+          <a:p>
+            <a:pPr marL="285750" indent="-285750">
+              <a:buFont typeface="Arial" panose="020B0604020202020204" pitchFamily="34" charset="0"/>
               <a:buChar char="•"/>
             </a:pPr>
             <a:r>
-              <a:rPr lang="en-US" sz="2800" dirty="0">
-                <a:cs typeface="Calibri"/>
-              </a:rPr>
-              <a:t>Improve Sampling Methods and fill in gaps in original data</a:t>
-            </a:r>
-          </a:p>
-          <a:p>
-            <a:pPr lvl="0" indent="239395">
-              <a:lnSpc>
-                <a:spcPct val="200000"/>
-              </a:lnSpc>
+              <a:rPr lang="en-US" dirty="0"/>
+              <a:t>Reckless/Improper Driving is common all over</a:t>
+            </a:r>
+          </a:p>
+          <a:p>
+            <a:pPr marL="285750" indent="-285750">
+              <a:buFont typeface="Arial" panose="020B0604020202020204" pitchFamily="34" charset="0"/>
               <a:buChar char="•"/>
             </a:pPr>
-            <a:r>
-              <a:rPr lang="en-US" sz="2800" dirty="0">
-                <a:cs typeface="Calibri"/>
-              </a:rPr>
-              <a:t>Use missing factors such as Traffic Volume and Congestion Percentages</a:t>
+            <a:endParaRPr lang="en-US" dirty="0"/>
+          </a:p>
+          <a:p>
+            <a:pPr marL="285750" indent="-285750">
+              <a:buFont typeface="Arial" panose="020B0604020202020204" pitchFamily="34" charset="0"/>
+              <a:buChar char="•"/>
+            </a:pPr>
+            <a:r>
+              <a:rPr lang="en-US" dirty="0"/>
+              <a:t>Traffic Rules Violation is more common in densely populated areas like Downtown</a:t>
             </a:r>
           </a:p>
         </p:txBody>
@@ -11101,7 +12749,7 @@
     </p:spTree>
     <p:extLst>
       <p:ext uri="{BB962C8B-B14F-4D97-AF65-F5344CB8AC3E}">
-        <p14:creationId xmlns:p14="http://schemas.microsoft.com/office/powerpoint/2010/main" val="2850473822"/>
+        <p14:creationId xmlns:p14="http://schemas.microsoft.com/office/powerpoint/2010/main" val="1331774544"/>
       </p:ext>
     </p:extLst>
   </p:cSld>
@@ -11277,19 +12925,19 @@
         </p:nvSpPr>
         <p:spPr>
           <a:xfrm>
-            <a:off x="148052" y="76969"/>
-            <a:ext cx="8957447" cy="539847"/>
+            <a:off x="148051" y="76969"/>
+            <a:ext cx="11299761" cy="539847"/>
           </a:xfrm>
         </p:spPr>
         <p:txBody>
           <a:bodyPr>
-            <a:normAutofit/>
+            <a:noAutofit/>
           </a:bodyPr>
           <a:lstStyle/>
           <a:p>
             <a:r>
-              <a:rPr lang="en-US" sz="3200" b="1" dirty="0"/>
-              <a:t>NEXT STEPS - INSIGHTS</a:t>
+              <a:rPr lang="en-US" sz="4000" b="1" dirty="0"/>
+              <a:t>TOP FACTORS RESULTS – INTERSECTION COMPARISON</a:t>
             </a:r>
           </a:p>
         </p:txBody>
@@ -11330,10 +12978,10 @@
       </p:sp>
       <p:sp>
         <p:nvSpPr>
-          <p:cNvPr id="5" name="Rectangle 4">
-            <a:extLst>
-              <a:ext uri="{FF2B5EF4-FFF2-40B4-BE49-F238E27FC236}">
-                <a16:creationId xmlns:a16="http://schemas.microsoft.com/office/drawing/2014/main" id="{B612520D-DB9A-3E92-959F-F491541972C9}"/>
+          <p:cNvPr id="16" name="Striped Right Arrow 15">
+            <a:extLst>
+              <a:ext uri="{FF2B5EF4-FFF2-40B4-BE49-F238E27FC236}">
+                <a16:creationId xmlns:a16="http://schemas.microsoft.com/office/drawing/2014/main" id="{73C0A7DC-0D09-C51F-8E60-B07C5174C372}"/>
               </a:ext>
             </a:extLst>
           </p:cNvPr>
@@ -11341,79 +12989,249 @@
           <p:nvPr/>
         </p:nvSpPr>
         <p:spPr>
-          <a:xfrm>
-            <a:off x="616017" y="902407"/>
-            <a:ext cx="10972799" cy="5399838"/>
+          <a:xfrm rot="16200000">
+            <a:off x="1546467" y="4657188"/>
+            <a:ext cx="1827986" cy="1187533"/>
+          </a:xfrm>
+          <a:prstGeom prst="stripedRightArrow">
+            <a:avLst/>
+          </a:prstGeom>
+          <a:solidFill>
+            <a:schemeClr val="accent3"/>
+          </a:solidFill>
+          <a:ln>
+            <a:solidFill>
+              <a:schemeClr val="tx1"/>
+            </a:solidFill>
+          </a:ln>
+        </p:spPr>
+        <p:style>
+          <a:lnRef idx="2">
+            <a:schemeClr val="accent1">
+              <a:shade val="50000"/>
+            </a:schemeClr>
+          </a:lnRef>
+          <a:fillRef idx="1">
+            <a:schemeClr val="accent1"/>
+          </a:fillRef>
+          <a:effectRef idx="0">
+            <a:schemeClr val="accent1"/>
+          </a:effectRef>
+          <a:fontRef idx="minor">
+            <a:schemeClr val="lt1"/>
+          </a:fontRef>
+        </p:style>
+        <p:txBody>
+          <a:bodyPr rtlCol="0" anchor="ctr"/>
+          <a:lstStyle/>
+          <a:p>
+            <a:pPr algn="ctr"/>
+            <a:r>
+              <a:rPr lang="en-US" dirty="0"/>
+              <a:t>TRAINING</a:t>
+            </a:r>
+          </a:p>
+        </p:txBody>
+      </p:sp>
+      <p:sp>
+        <p:nvSpPr>
+          <p:cNvPr id="27" name="Striped Right Arrow 26">
+            <a:extLst>
+              <a:ext uri="{FF2B5EF4-FFF2-40B4-BE49-F238E27FC236}">
+                <a16:creationId xmlns:a16="http://schemas.microsoft.com/office/drawing/2014/main" id="{14FBCCF9-437C-E7A9-FB65-8638BB8FCBCA}"/>
+              </a:ext>
+            </a:extLst>
+          </p:cNvPr>
+          <p:cNvSpPr/>
+          <p:nvPr/>
+        </p:nvSpPr>
+        <p:spPr>
+          <a:xfrm rot="16200000">
+            <a:off x="8787856" y="4688726"/>
+            <a:ext cx="1827986" cy="1187533"/>
+          </a:xfrm>
+          <a:prstGeom prst="stripedRightArrow">
+            <a:avLst/>
+          </a:prstGeom>
+          <a:solidFill>
+            <a:schemeClr val="accent3"/>
+          </a:solidFill>
+          <a:ln>
+            <a:solidFill>
+              <a:schemeClr val="tx1"/>
+            </a:solidFill>
+          </a:ln>
+        </p:spPr>
+        <p:style>
+          <a:lnRef idx="2">
+            <a:schemeClr val="accent1">
+              <a:shade val="50000"/>
+            </a:schemeClr>
+          </a:lnRef>
+          <a:fillRef idx="1">
+            <a:schemeClr val="accent1"/>
+          </a:fillRef>
+          <a:effectRef idx="0">
+            <a:schemeClr val="accent1"/>
+          </a:effectRef>
+          <a:fontRef idx="minor">
+            <a:schemeClr val="lt1"/>
+          </a:fontRef>
+        </p:style>
+        <p:txBody>
+          <a:bodyPr rtlCol="0" anchor="ctr"/>
+          <a:lstStyle/>
+          <a:p>
+            <a:pPr algn="ctr"/>
+            <a:r>
+              <a:rPr lang="en-US" dirty="0"/>
+              <a:t>PREDICTED</a:t>
+            </a:r>
+          </a:p>
+        </p:txBody>
+      </p:sp>
+      <p:sp>
+        <p:nvSpPr>
+          <p:cNvPr id="28" name="TextBox 27">
+            <a:extLst>
+              <a:ext uri="{FF2B5EF4-FFF2-40B4-BE49-F238E27FC236}">
+                <a16:creationId xmlns:a16="http://schemas.microsoft.com/office/drawing/2014/main" id="{301F5EA5-9FC8-0CA9-0CDC-833CEA3B3738}"/>
+              </a:ext>
+            </a:extLst>
+          </p:cNvPr>
+          <p:cNvSpPr txBox="1"/>
+          <p:nvPr/>
+        </p:nvSpPr>
+        <p:spPr>
+          <a:xfrm>
+            <a:off x="4115982" y="4565046"/>
+            <a:ext cx="3930344" cy="1754326"/>
           </a:xfrm>
           <a:prstGeom prst="rect">
             <a:avLst/>
           </a:prstGeom>
-        </p:spPr>
-        <p:txBody>
-          <a:bodyPr lIns="91440" tIns="45720" rIns="91440" bIns="45720" anchor="t"/>
-          <a:lstStyle/>
-          <a:p>
-            <a:pPr lvl="0" indent="239395">
-              <a:lnSpc>
-                <a:spcPct val="200000"/>
-              </a:lnSpc>
+          <a:noFill/>
+          <a:ln w="38100">
+            <a:solidFill>
+              <a:srgbClr val="FF0000"/>
+            </a:solidFill>
+          </a:ln>
+        </p:spPr>
+        <p:txBody>
+          <a:bodyPr wrap="square" rtlCol="0">
+            <a:spAutoFit/>
+          </a:bodyPr>
+          <a:lstStyle/>
+          <a:p>
+            <a:pPr marL="285750" indent="-285750">
+              <a:buFont typeface="Arial" panose="020B0604020202020204" pitchFamily="34" charset="0"/>
               <a:buChar char="•"/>
             </a:pPr>
             <a:r>
-              <a:rPr lang="en-US" sz="2800" dirty="0">
-                <a:cs typeface="Calibri"/>
-              </a:rPr>
-              <a:t>Research the trends tied with location factors</a:t>
-            </a:r>
-          </a:p>
-          <a:p>
-            <a:pPr lvl="0" indent="239395">
-              <a:lnSpc>
-                <a:spcPct val="200000"/>
-              </a:lnSpc>
+              <a:rPr lang="en-US" dirty="0"/>
+              <a:t>Unable to determine no intersection related crashes</a:t>
+            </a:r>
+          </a:p>
+          <a:p>
+            <a:pPr marL="285750" indent="-285750">
+              <a:buFont typeface="Arial" panose="020B0604020202020204" pitchFamily="34" charset="0"/>
               <a:buChar char="•"/>
             </a:pPr>
-            <a:r>
-              <a:rPr lang="en-US" sz="2800" dirty="0">
-                <a:cs typeface="Calibri"/>
-              </a:rPr>
-              <a:t>Explore how driver actions impact crashes</a:t>
-            </a:r>
-          </a:p>
-          <a:p>
-            <a:pPr lvl="0" indent="239395">
-              <a:lnSpc>
-                <a:spcPct val="200000"/>
-              </a:lnSpc>
+            <a:endParaRPr lang="en-US" dirty="0"/>
+          </a:p>
+          <a:p>
+            <a:pPr marL="285750" indent="-285750">
+              <a:buFont typeface="Arial" panose="020B0604020202020204" pitchFamily="34" charset="0"/>
               <a:buChar char="•"/>
             </a:pPr>
             <a:r>
-              <a:rPr lang="en-US" sz="2800" dirty="0">
-                <a:cs typeface="Calibri"/>
-              </a:rPr>
-              <a:t>Develop mobility engineering plans and awareness campaigns</a:t>
-            </a:r>
-          </a:p>
-          <a:p>
-            <a:pPr lvl="0" indent="239395">
-              <a:lnSpc>
-                <a:spcPct val="200000"/>
-              </a:lnSpc>
+              <a:rPr lang="en-US" dirty="0"/>
+              <a:t>Both causes are concentrated in densely populated areas</a:t>
+            </a:r>
+          </a:p>
+          <a:p>
+            <a:pPr marL="285750" indent="-285750">
+              <a:buFont typeface="Arial" panose="020B0604020202020204" pitchFamily="34" charset="0"/>
               <a:buChar char="•"/>
             </a:pPr>
-            <a:r>
-              <a:rPr lang="en-US" sz="2800" dirty="0">
-                <a:cs typeface="Calibri"/>
-              </a:rPr>
-              <a:t>Improve performance of model</a:t>
-            </a:r>
-          </a:p>
-        </p:txBody>
-      </p:sp>
+            <a:endParaRPr lang="en-US" dirty="0"/>
+          </a:p>
+        </p:txBody>
+      </p:sp>
+      <p:pic>
+        <p:nvPicPr>
+          <p:cNvPr id="5" name="Picture 4" descr="A picture containing text, map, diagram, plot&#10;&#10;Description automatically generated">
+            <a:extLst>
+              <a:ext uri="{FF2B5EF4-FFF2-40B4-BE49-F238E27FC236}">
+                <a16:creationId xmlns:a16="http://schemas.microsoft.com/office/drawing/2014/main" id="{DE4997F9-6ABE-1A76-5DC2-F574ABC85C56}"/>
+              </a:ext>
+            </a:extLst>
+          </p:cNvPr>
+          <p:cNvPicPr>
+            <a:picLocks noChangeAspect="1"/>
+          </p:cNvPicPr>
+          <p:nvPr/>
+        </p:nvPicPr>
+        <p:blipFill>
+          <a:blip r:embed="rId3"/>
+          <a:stretch>
+            <a:fillRect/>
+          </a:stretch>
+        </p:blipFill>
+        <p:spPr>
+          <a:xfrm>
+            <a:off x="178329" y="755802"/>
+            <a:ext cx="4564261" cy="3581160"/>
+          </a:xfrm>
+          <a:prstGeom prst="rect">
+            <a:avLst/>
+          </a:prstGeom>
+          <a:ln>
+            <a:solidFill>
+              <a:schemeClr val="tx1"/>
+            </a:solidFill>
+          </a:ln>
+        </p:spPr>
+      </p:pic>
+      <p:pic>
+        <p:nvPicPr>
+          <p:cNvPr id="9" name="Picture 8" descr="A picture containing text, diagram, plot, screenshot&#10;&#10;Description automatically generated">
+            <a:extLst>
+              <a:ext uri="{FF2B5EF4-FFF2-40B4-BE49-F238E27FC236}">
+                <a16:creationId xmlns:a16="http://schemas.microsoft.com/office/drawing/2014/main" id="{B2C6B8E0-D8A8-0A76-183C-9A4A6D8E7610}"/>
+              </a:ext>
+            </a:extLst>
+          </p:cNvPr>
+          <p:cNvPicPr>
+            <a:picLocks noChangeAspect="1"/>
+          </p:cNvPicPr>
+          <p:nvPr/>
+        </p:nvPicPr>
+        <p:blipFill>
+          <a:blip r:embed="rId4"/>
+          <a:stretch>
+            <a:fillRect/>
+          </a:stretch>
+        </p:blipFill>
+        <p:spPr>
+          <a:xfrm>
+            <a:off x="7401907" y="755801"/>
+            <a:ext cx="4599884" cy="3584561"/>
+          </a:xfrm>
+          <a:prstGeom prst="rect">
+            <a:avLst/>
+          </a:prstGeom>
+          <a:ln>
+            <a:solidFill>
+              <a:schemeClr val="tx1"/>
+            </a:solidFill>
+          </a:ln>
+        </p:spPr>
+      </p:pic>
     </p:spTree>
     <p:extLst>
       <p:ext uri="{BB962C8B-B14F-4D97-AF65-F5344CB8AC3E}">
-        <p14:creationId xmlns:p14="http://schemas.microsoft.com/office/powerpoint/2010/main" val="342927887"/>
+        <p14:creationId xmlns:p14="http://schemas.microsoft.com/office/powerpoint/2010/main" val="2630566770"/>
       </p:ext>
     </p:extLst>
   </p:cSld>
@@ -11590,16 +13408,19 @@
         <p:spPr>
           <a:xfrm>
             <a:off x="148052" y="76969"/>
-            <a:ext cx="8957447" cy="539847"/>
+            <a:ext cx="10717870" cy="539847"/>
           </a:xfrm>
         </p:spPr>
         <p:txBody>
           <a:bodyPr>
-            <a:normAutofit/>
+            <a:noAutofit/>
           </a:bodyPr>
           <a:lstStyle/>
           <a:p>
-            <a:endParaRPr lang="en-US" sz="3200" b="1" dirty="0"/>
+            <a:r>
+              <a:rPr lang="en-US" sz="4000" b="1" dirty="0"/>
+              <a:t>TOP FACTORS RESULTS – DRIVER ACTION</a:t>
+            </a:r>
           </a:p>
         </p:txBody>
       </p:sp>
@@ -11639,10 +13460,10 @@
       </p:sp>
       <p:sp>
         <p:nvSpPr>
-          <p:cNvPr id="9" name="Rectangle 8">
-            <a:extLst>
-              <a:ext uri="{FF2B5EF4-FFF2-40B4-BE49-F238E27FC236}">
-                <a16:creationId xmlns:a16="http://schemas.microsoft.com/office/drawing/2014/main" id="{E32F1953-CF09-76C5-2A9E-F75AA4BD20E3}"/>
+          <p:cNvPr id="16" name="Striped Right Arrow 15">
+            <a:extLst>
+              <a:ext uri="{FF2B5EF4-FFF2-40B4-BE49-F238E27FC236}">
+                <a16:creationId xmlns:a16="http://schemas.microsoft.com/office/drawing/2014/main" id="{73C0A7DC-0D09-C51F-8E60-B07C5174C372}"/>
               </a:ext>
             </a:extLst>
           </p:cNvPr>
@@ -11651,49 +13472,262 @@
         </p:nvSpPr>
         <p:spPr>
           <a:xfrm>
-            <a:off x="2085928" y="2409194"/>
-            <a:ext cx="8020144" cy="1862048"/>
+            <a:off x="4279199" y="1478663"/>
+            <a:ext cx="1827986" cy="1187533"/>
+          </a:xfrm>
+          <a:prstGeom prst="stripedRightArrow">
+            <a:avLst/>
+          </a:prstGeom>
+          <a:solidFill>
+            <a:schemeClr val="accent3"/>
+          </a:solidFill>
+          <a:ln>
+            <a:solidFill>
+              <a:schemeClr val="tx1"/>
+            </a:solidFill>
+          </a:ln>
+        </p:spPr>
+        <p:style>
+          <a:lnRef idx="2">
+            <a:schemeClr val="accent1">
+              <a:shade val="50000"/>
+            </a:schemeClr>
+          </a:lnRef>
+          <a:fillRef idx="1">
+            <a:schemeClr val="accent1"/>
+          </a:fillRef>
+          <a:effectRef idx="0">
+            <a:schemeClr val="accent1"/>
+          </a:effectRef>
+          <a:fontRef idx="minor">
+            <a:schemeClr val="lt1"/>
+          </a:fontRef>
+        </p:style>
+        <p:txBody>
+          <a:bodyPr rtlCol="0" anchor="ctr"/>
+          <a:lstStyle/>
+          <a:p>
+            <a:pPr algn="ctr"/>
+            <a:r>
+              <a:rPr lang="en-US" dirty="0"/>
+              <a:t>TRAINING</a:t>
+            </a:r>
+          </a:p>
+        </p:txBody>
+      </p:sp>
+      <p:sp>
+        <p:nvSpPr>
+          <p:cNvPr id="27" name="Striped Right Arrow 26">
+            <a:extLst>
+              <a:ext uri="{FF2B5EF4-FFF2-40B4-BE49-F238E27FC236}">
+                <a16:creationId xmlns:a16="http://schemas.microsoft.com/office/drawing/2014/main" id="{14FBCCF9-437C-E7A9-FB65-8638BB8FCBCA}"/>
+              </a:ext>
+            </a:extLst>
+          </p:cNvPr>
+          <p:cNvSpPr/>
+          <p:nvPr/>
+        </p:nvSpPr>
+        <p:spPr>
+          <a:xfrm>
+            <a:off x="4279199" y="4367956"/>
+            <a:ext cx="1827986" cy="1187533"/>
+          </a:xfrm>
+          <a:prstGeom prst="stripedRightArrow">
+            <a:avLst/>
+          </a:prstGeom>
+          <a:solidFill>
+            <a:schemeClr val="accent3"/>
+          </a:solidFill>
+          <a:ln>
+            <a:solidFill>
+              <a:schemeClr val="tx1"/>
+            </a:solidFill>
+          </a:ln>
+        </p:spPr>
+        <p:style>
+          <a:lnRef idx="2">
+            <a:schemeClr val="accent1">
+              <a:shade val="50000"/>
+            </a:schemeClr>
+          </a:lnRef>
+          <a:fillRef idx="1">
+            <a:schemeClr val="accent1"/>
+          </a:fillRef>
+          <a:effectRef idx="0">
+            <a:schemeClr val="accent1"/>
+          </a:effectRef>
+          <a:fontRef idx="minor">
+            <a:schemeClr val="lt1"/>
+          </a:fontRef>
+        </p:style>
+        <p:txBody>
+          <a:bodyPr rtlCol="0" anchor="ctr"/>
+          <a:lstStyle/>
+          <a:p>
+            <a:pPr algn="ctr"/>
+            <a:r>
+              <a:rPr lang="en-US" dirty="0"/>
+              <a:t>PREDICTED</a:t>
+            </a:r>
+          </a:p>
+        </p:txBody>
+      </p:sp>
+      <p:sp>
+        <p:nvSpPr>
+          <p:cNvPr id="28" name="TextBox 27">
+            <a:extLst>
+              <a:ext uri="{FF2B5EF4-FFF2-40B4-BE49-F238E27FC236}">
+                <a16:creationId xmlns:a16="http://schemas.microsoft.com/office/drawing/2014/main" id="{301F5EA5-9FC8-0CA9-0CDC-833CEA3B3738}"/>
+              </a:ext>
+            </a:extLst>
+          </p:cNvPr>
+          <p:cNvSpPr txBox="1"/>
+          <p:nvPr/>
+        </p:nvSpPr>
+        <p:spPr>
+          <a:xfrm>
+            <a:off x="240281" y="2391144"/>
+            <a:ext cx="3930344" cy="1754326"/>
           </a:xfrm>
           <a:prstGeom prst="rect">
             <a:avLst/>
           </a:prstGeom>
           <a:noFill/>
-        </p:spPr>
-        <p:txBody>
-          <a:bodyPr wrap="none" lIns="91440" tIns="45720" rIns="91440" bIns="45720">
+          <a:ln w="38100">
+            <a:solidFill>
+              <a:srgbClr val="FF0000"/>
+            </a:solidFill>
+          </a:ln>
+        </p:spPr>
+        <p:txBody>
+          <a:bodyPr wrap="square" rtlCol="0">
             <a:spAutoFit/>
           </a:bodyPr>
           <a:lstStyle/>
           <a:p>
-            <a:pPr algn="ctr"/>
-            <a:r>
-              <a:rPr lang="en-US" sz="11500" b="1" cap="none" spc="0" dirty="0">
-                <a:ln w="9525">
-                  <a:solidFill>
-                    <a:schemeClr val="bg1"/>
-                  </a:solidFill>
-                  <a:prstDash val="solid"/>
-                </a:ln>
-                <a:solidFill>
-                  <a:schemeClr val="tx1"/>
-                </a:solidFill>
-                <a:effectLst>
-                  <a:outerShdw blurRad="12700" dist="38100" dir="2700000" algn="tl" rotWithShape="0">
-                    <a:schemeClr val="bg1">
-                      <a:lumMod val="50000"/>
-                    </a:schemeClr>
-                  </a:outerShdw>
-                </a:effectLst>
-              </a:rPr>
-              <a:t>QUESTIONS?</a:t>
-            </a:r>
-          </a:p>
-        </p:txBody>
-      </p:sp>
+            <a:pPr marL="285750" indent="-285750">
+              <a:buFont typeface="Arial" panose="020B0604020202020204" pitchFamily="34" charset="0"/>
+              <a:buChar char="•"/>
+            </a:pPr>
+            <a:r>
+              <a:rPr lang="en-US" dirty="0"/>
+              <a:t>Similar Trend</a:t>
+            </a:r>
+          </a:p>
+          <a:p>
+            <a:pPr marL="285750" indent="-285750">
+              <a:buFont typeface="Arial" panose="020B0604020202020204" pitchFamily="34" charset="0"/>
+              <a:buChar char="•"/>
+            </a:pPr>
+            <a:endParaRPr lang="en-US" dirty="0"/>
+          </a:p>
+          <a:p>
+            <a:pPr marL="285750" indent="-285750">
+              <a:buFont typeface="Arial" panose="020B0604020202020204" pitchFamily="34" charset="0"/>
+              <a:buChar char="•"/>
+            </a:pPr>
+            <a:r>
+              <a:rPr lang="en-US" dirty="0"/>
+              <a:t>Difficult to distinguish a discernable pattern</a:t>
+            </a:r>
+          </a:p>
+          <a:p>
+            <a:pPr marL="285750" indent="-285750">
+              <a:buFont typeface="Arial" panose="020B0604020202020204" pitchFamily="34" charset="0"/>
+              <a:buChar char="•"/>
+            </a:pPr>
+            <a:endParaRPr lang="en-US" dirty="0"/>
+          </a:p>
+          <a:p>
+            <a:pPr marL="285750" indent="-285750">
+              <a:buFont typeface="Arial" panose="020B0604020202020204" pitchFamily="34" charset="0"/>
+              <a:buChar char="•"/>
+            </a:pPr>
+            <a:r>
+              <a:rPr lang="en-US"/>
+              <a:t>Recommend </a:t>
+            </a:r>
+            <a:r>
+              <a:rPr lang="en-US" dirty="0"/>
+              <a:t>further insights analysis</a:t>
+            </a:r>
+          </a:p>
+        </p:txBody>
+      </p:sp>
+      <p:pic>
+        <p:nvPicPr>
+          <p:cNvPr id="5" name="Picture 4" descr="A picture containing screenshot, diagram, map, plot&#10;&#10;Description automatically generated">
+            <a:extLst>
+              <a:ext uri="{FF2B5EF4-FFF2-40B4-BE49-F238E27FC236}">
+                <a16:creationId xmlns:a16="http://schemas.microsoft.com/office/drawing/2014/main" id="{D178E737-E3A2-E1B3-C03C-01C7F4D9AD77}"/>
+              </a:ext>
+            </a:extLst>
+          </p:cNvPr>
+          <p:cNvPicPr>
+            <a:picLocks noChangeAspect="1"/>
+          </p:cNvPicPr>
+          <p:nvPr/>
+        </p:nvPicPr>
+        <p:blipFill>
+          <a:blip r:embed="rId3"/>
+          <a:stretch>
+            <a:fillRect/>
+          </a:stretch>
+        </p:blipFill>
+        <p:spPr>
+          <a:xfrm>
+            <a:off x="6096000" y="713869"/>
+            <a:ext cx="5939253" cy="2698867"/>
+          </a:xfrm>
+          <a:prstGeom prst="rect">
+            <a:avLst/>
+          </a:prstGeom>
+          <a:ln>
+            <a:solidFill>
+              <a:schemeClr val="tx1"/>
+            </a:solidFill>
+          </a:ln>
+        </p:spPr>
+      </p:pic>
+      <p:pic>
+        <p:nvPicPr>
+          <p:cNvPr id="9" name="Picture 8" descr="A picture containing screenshot, diagram, plot&#10;&#10;Description automatically generated">
+            <a:extLst>
+              <a:ext uri="{FF2B5EF4-FFF2-40B4-BE49-F238E27FC236}">
+                <a16:creationId xmlns:a16="http://schemas.microsoft.com/office/drawing/2014/main" id="{0B826F72-EE9D-A373-5259-C8B7B0DD711D}"/>
+              </a:ext>
+            </a:extLst>
+          </p:cNvPr>
+          <p:cNvPicPr>
+            <a:picLocks noChangeAspect="1"/>
+          </p:cNvPicPr>
+          <p:nvPr/>
+        </p:nvPicPr>
+        <p:blipFill>
+          <a:blip r:embed="rId4"/>
+          <a:stretch>
+            <a:fillRect/>
+          </a:stretch>
+        </p:blipFill>
+        <p:spPr>
+          <a:xfrm>
+            <a:off x="6107185" y="3480887"/>
+            <a:ext cx="5928068" cy="2975295"/>
+          </a:xfrm>
+          <a:prstGeom prst="rect">
+            <a:avLst/>
+          </a:prstGeom>
+          <a:ln>
+            <a:solidFill>
+              <a:schemeClr val="tx1"/>
+            </a:solidFill>
+          </a:ln>
+        </p:spPr>
+      </p:pic>
     </p:spTree>
     <p:extLst>
       <p:ext uri="{BB962C8B-B14F-4D97-AF65-F5344CB8AC3E}">
-        <p14:creationId xmlns:p14="http://schemas.microsoft.com/office/powerpoint/2010/main" val="86224608"/>
+        <p14:creationId xmlns:p14="http://schemas.microsoft.com/office/powerpoint/2010/main" val="1356952831"/>
       </p:ext>
     </p:extLst>
   </p:cSld>
